--- a/2021-2/3. SW프로젝트/week2/201844050_박승민.pptx
+++ b/2021-2/3. SW프로젝트/week2/201844050_박승민.pptx
@@ -12,9 +12,6 @@
     <p:sldId id="260" r:id="rId6"/>
     <p:sldId id="261" r:id="rId7"/>
     <p:sldId id="262" r:id="rId8"/>
-    <p:sldId id="263" r:id="rId9"/>
-    <p:sldId id="264" r:id="rId10"/>
-    <p:sldId id="265" r:id="rId11"/>
   </p:sldIdLst>
   <p:sldSz cx="12192000" cy="6858000"/>
   <p:notesSz cx="6858000" cy="9144000"/>
@@ -113,6 +110,11 @@
       </a:defRPr>
     </a:lvl9pPr>
   </p:defaultTextStyle>
+  <p:extLst>
+    <p:ext uri="{EFAFB233-063F-42B5-8137-9DF3F51BA10A}">
+      <p15:sldGuideLst xmlns:p15="http://schemas.microsoft.com/office/powerpoint/2012/main"/>
+    </p:ext>
+  </p:extLst>
 </p:presentation>
 </file>
 
@@ -3379,72 +3381,6 @@
 </p:sld>
 </file>
 
-<file path=ppt/slides/slide10.xml><?xml version="1.0" encoding="utf-8"?>
-<p:sld xmlns:a="http://schemas.openxmlformats.org/drawingml/2006/main" xmlns:r="http://schemas.openxmlformats.org/officeDocument/2006/relationships" xmlns:p="http://schemas.openxmlformats.org/presentationml/2006/main">
-  <p:cSld>
-    <p:spTree>
-      <p:nvGrpSpPr>
-        <p:cNvPr id="1" name=""/>
-        <p:cNvGrpSpPr/>
-        <p:nvPr/>
-      </p:nvGrpSpPr>
-      <p:grpSpPr>
-        <a:xfrm>
-          <a:off x="0" y="0"/>
-          <a:ext cx="0" cy="0"/>
-          <a:chOff x="0" y="0"/>
-          <a:chExt cx="0" cy="0"/>
-        </a:xfrm>
-      </p:grpSpPr>
-      <p:pic>
-        <p:nvPicPr>
-          <p:cNvPr id="3" name="그림 2">
-            <a:extLst>
-              <a:ext uri="{FF2B5EF4-FFF2-40B4-BE49-F238E27FC236}">
-                <a16:creationId xmlns:a16="http://schemas.microsoft.com/office/drawing/2014/main" id="{9E6C4861-12CF-4A3E-9B7B-380C04B83D6B}"/>
-              </a:ext>
-            </a:extLst>
-          </p:cNvPr>
-          <p:cNvPicPr>
-            <a:picLocks noChangeAspect="1"/>
-          </p:cNvPicPr>
-          <p:nvPr/>
-        </p:nvPicPr>
-        <p:blipFill>
-          <a:blip r:embed="rId2">
-            <a:extLst>
-              <a:ext uri="{28A0092B-C50C-407E-A947-70E740481C1C}">
-                <a14:useLocalDpi xmlns:a14="http://schemas.microsoft.com/office/drawing/2010/main" val="0"/>
-              </a:ext>
-            </a:extLst>
-          </a:blip>
-          <a:stretch>
-            <a:fillRect/>
-          </a:stretch>
-        </p:blipFill>
-        <p:spPr>
-          <a:xfrm>
-            <a:off x="0" y="0"/>
-            <a:ext cx="12192000" cy="6858000"/>
-          </a:xfrm>
-          <a:prstGeom prst="rect">
-            <a:avLst/>
-          </a:prstGeom>
-        </p:spPr>
-      </p:pic>
-    </p:spTree>
-    <p:extLst>
-      <p:ext uri="{BB962C8B-B14F-4D97-AF65-F5344CB8AC3E}">
-        <p14:creationId xmlns:p14="http://schemas.microsoft.com/office/powerpoint/2010/main" val="3161947520"/>
-      </p:ext>
-    </p:extLst>
-  </p:cSld>
-  <p:clrMapOvr>
-    <a:masterClrMapping/>
-  </p:clrMapOvr>
-</p:sld>
-</file>
-
 <file path=ppt/slides/slide2.xml><?xml version="1.0" encoding="utf-8"?>
 <p:sld xmlns:a="http://schemas.openxmlformats.org/drawingml/2006/main" xmlns:r="http://schemas.openxmlformats.org/officeDocument/2006/relationships" xmlns:p="http://schemas.openxmlformats.org/presentationml/2006/main">
   <p:cSld>
@@ -3916,12 +3852,269 @@
           </a:prstGeom>
         </p:spPr>
       </p:pic>
+      <p:grpSp>
+        <p:nvGrpSpPr>
+          <p:cNvPr id="16" name="그룹 15">
+            <a:extLst>
+              <a:ext uri="{FF2B5EF4-FFF2-40B4-BE49-F238E27FC236}">
+                <a16:creationId xmlns:a16="http://schemas.microsoft.com/office/drawing/2014/main" id="{CD33DA7F-B9D4-425F-82FA-90E5663AE3F6}"/>
+              </a:ext>
+            </a:extLst>
+          </p:cNvPr>
+          <p:cNvGrpSpPr/>
+          <p:nvPr/>
+        </p:nvGrpSpPr>
+        <p:grpSpPr>
+          <a:xfrm>
+            <a:off x="539556" y="167779"/>
+            <a:ext cx="4753638" cy="3391373"/>
+            <a:chOff x="539556" y="167779"/>
+            <a:chExt cx="4753638" cy="3391373"/>
+          </a:xfrm>
+        </p:grpSpPr>
+        <p:pic>
+          <p:nvPicPr>
+            <p:cNvPr id="9" name="그림 8" descr="텍스트이(가) 표시된 사진&#10;&#10;자동 생성된 설명">
+              <a:extLst>
+                <a:ext uri="{FF2B5EF4-FFF2-40B4-BE49-F238E27FC236}">
+                  <a16:creationId xmlns:a16="http://schemas.microsoft.com/office/drawing/2014/main" id="{4B90D6F0-16C7-498D-82DD-8F9F8E9205F9}"/>
+                </a:ext>
+              </a:extLst>
+            </p:cNvPr>
+            <p:cNvPicPr>
+              <a:picLocks noChangeAspect="1"/>
+            </p:cNvPicPr>
+            <p:nvPr/>
+          </p:nvPicPr>
+          <p:blipFill>
+            <a:blip r:embed="rId3">
+              <a:extLst>
+                <a:ext uri="{28A0092B-C50C-407E-A947-70E740481C1C}">
+                  <a14:useLocalDpi xmlns:a14="http://schemas.microsoft.com/office/drawing/2010/main" val="0"/>
+                </a:ext>
+              </a:extLst>
+            </a:blip>
+            <a:stretch>
+              <a:fillRect/>
+            </a:stretch>
+          </p:blipFill>
+          <p:spPr>
+            <a:xfrm>
+              <a:off x="539556" y="167779"/>
+              <a:ext cx="4753638" cy="3391373"/>
+            </a:xfrm>
+            <a:prstGeom prst="rect">
+              <a:avLst/>
+            </a:prstGeom>
+          </p:spPr>
+        </p:pic>
+        <p:sp>
+          <p:nvSpPr>
+            <p:cNvPr id="2" name="직사각형 1">
+              <a:extLst>
+                <a:ext uri="{FF2B5EF4-FFF2-40B4-BE49-F238E27FC236}">
+                  <a16:creationId xmlns:a16="http://schemas.microsoft.com/office/drawing/2014/main" id="{9C4F59C5-EA46-4A35-8FA1-78857D9D6932}"/>
+                </a:ext>
+              </a:extLst>
+            </p:cNvPr>
+            <p:cNvSpPr/>
+            <p:nvPr/>
+          </p:nvSpPr>
+          <p:spPr>
+            <a:xfrm>
+              <a:off x="1770078" y="2684477"/>
+              <a:ext cx="369115" cy="184558"/>
+            </a:xfrm>
+            <a:prstGeom prst="rect">
+              <a:avLst/>
+            </a:prstGeom>
+            <a:noFill/>
+            <a:ln w="28575">
+              <a:solidFill>
+                <a:srgbClr val="FF0000"/>
+              </a:solidFill>
+            </a:ln>
+          </p:spPr>
+          <p:style>
+            <a:lnRef idx="2">
+              <a:schemeClr val="accent1">
+                <a:shade val="50000"/>
+              </a:schemeClr>
+            </a:lnRef>
+            <a:fillRef idx="1">
+              <a:schemeClr val="accent1"/>
+            </a:fillRef>
+            <a:effectRef idx="0">
+              <a:schemeClr val="accent1"/>
+            </a:effectRef>
+            <a:fontRef idx="minor">
+              <a:schemeClr val="lt1"/>
+            </a:fontRef>
+          </p:style>
+          <p:txBody>
+            <a:bodyPr rtlCol="0" anchor="ctr"/>
+            <a:lstStyle/>
+            <a:p>
+              <a:pPr algn="ctr"/>
+              <a:endParaRPr lang="ko-KR" altLang="en-US" u="sng"/>
+            </a:p>
+          </p:txBody>
+        </p:sp>
+        <p:cxnSp>
+          <p:nvCxnSpPr>
+            <p:cNvPr id="5" name="직선 화살표 연결선 4">
+              <a:extLst>
+                <a:ext uri="{FF2B5EF4-FFF2-40B4-BE49-F238E27FC236}">
+                  <a16:creationId xmlns:a16="http://schemas.microsoft.com/office/drawing/2014/main" id="{37FA272A-BCB3-46B8-B8A1-680A66F6DAB7}"/>
+                </a:ext>
+              </a:extLst>
+            </p:cNvPr>
+            <p:cNvCxnSpPr>
+              <a:cxnSpLocks/>
+              <a:stCxn id="2" idx="2"/>
+              <a:endCxn id="7" idx="0"/>
+            </p:cNvCxnSpPr>
+            <p:nvPr/>
+          </p:nvCxnSpPr>
+          <p:spPr>
+            <a:xfrm>
+              <a:off x="1954636" y="2869035"/>
+              <a:ext cx="1834740" cy="155606"/>
+            </a:xfrm>
+            <a:prstGeom prst="straightConnector1">
+              <a:avLst/>
+            </a:prstGeom>
+            <a:ln w="28575">
+              <a:solidFill>
+                <a:srgbClr val="FF0000"/>
+              </a:solidFill>
+              <a:tailEnd type="triangle"/>
+            </a:ln>
+          </p:spPr>
+          <p:style>
+            <a:lnRef idx="1">
+              <a:schemeClr val="accent1"/>
+            </a:lnRef>
+            <a:fillRef idx="0">
+              <a:schemeClr val="accent1"/>
+            </a:fillRef>
+            <a:effectRef idx="0">
+              <a:schemeClr val="accent1"/>
+            </a:effectRef>
+            <a:fontRef idx="minor">
+              <a:schemeClr val="tx1"/>
+            </a:fontRef>
+          </p:style>
+        </p:cxnSp>
+      </p:grpSp>
+      <p:grpSp>
+        <p:nvGrpSpPr>
+          <p:cNvPr id="19" name="그룹 18">
+            <a:extLst>
+              <a:ext uri="{FF2B5EF4-FFF2-40B4-BE49-F238E27FC236}">
+                <a16:creationId xmlns:a16="http://schemas.microsoft.com/office/drawing/2014/main" id="{3BC60540-E9AA-499C-85AC-DC520AC0DDF0}"/>
+              </a:ext>
+            </a:extLst>
+          </p:cNvPr>
+          <p:cNvGrpSpPr/>
+          <p:nvPr/>
+        </p:nvGrpSpPr>
+        <p:grpSpPr>
+          <a:xfrm>
+            <a:off x="1193896" y="3024641"/>
+            <a:ext cx="7403489" cy="3665580"/>
+            <a:chOff x="1193896" y="3009054"/>
+            <a:chExt cx="7403489" cy="3665580"/>
+          </a:xfrm>
+        </p:grpSpPr>
+        <p:pic>
+          <p:nvPicPr>
+            <p:cNvPr id="7" name="그림 6" descr="텍스트이(가) 표시된 사진&#10;&#10;자동 생성된 설명">
+              <a:extLst>
+                <a:ext uri="{FF2B5EF4-FFF2-40B4-BE49-F238E27FC236}">
+                  <a16:creationId xmlns:a16="http://schemas.microsoft.com/office/drawing/2014/main" id="{DD11B117-962E-4629-AFD3-8DDDE5728B9A}"/>
+                </a:ext>
+              </a:extLst>
+            </p:cNvPr>
+            <p:cNvPicPr>
+              <a:picLocks noChangeAspect="1"/>
+            </p:cNvPicPr>
+            <p:nvPr/>
+          </p:nvPicPr>
+          <p:blipFill>
+            <a:blip r:embed="rId4">
+              <a:extLst>
+                <a:ext uri="{28A0092B-C50C-407E-A947-70E740481C1C}">
+                  <a14:useLocalDpi xmlns:a14="http://schemas.microsoft.com/office/drawing/2010/main" val="0"/>
+                </a:ext>
+              </a:extLst>
+            </a:blip>
+            <a:stretch>
+              <a:fillRect/>
+            </a:stretch>
+          </p:blipFill>
+          <p:spPr>
+            <a:xfrm>
+              <a:off x="1193896" y="3009054"/>
+              <a:ext cx="5190960" cy="3665580"/>
+            </a:xfrm>
+            <a:prstGeom prst="rect">
+              <a:avLst/>
+            </a:prstGeom>
+          </p:spPr>
+        </p:pic>
+        <p:cxnSp>
+          <p:nvCxnSpPr>
+            <p:cNvPr id="10" name="직선 화살표 연결선 9">
+              <a:extLst>
+                <a:ext uri="{FF2B5EF4-FFF2-40B4-BE49-F238E27FC236}">
+                  <a16:creationId xmlns:a16="http://schemas.microsoft.com/office/drawing/2014/main" id="{651560B6-88A6-4BB2-98D4-6E6506A2E364}"/>
+                </a:ext>
+              </a:extLst>
+            </p:cNvPr>
+            <p:cNvCxnSpPr>
+              <a:cxnSpLocks/>
+              <a:endCxn id="11" idx="2"/>
+            </p:cNvCxnSpPr>
+            <p:nvPr/>
+          </p:nvCxnSpPr>
+          <p:spPr>
+            <a:xfrm flipV="1">
+              <a:off x="6384856" y="4278120"/>
+              <a:ext cx="2212529" cy="575652"/>
+            </a:xfrm>
+            <a:prstGeom prst="straightConnector1">
+              <a:avLst/>
+            </a:prstGeom>
+            <a:ln w="28575">
+              <a:solidFill>
+                <a:srgbClr val="FF0000"/>
+              </a:solidFill>
+              <a:tailEnd type="triangle"/>
+            </a:ln>
+          </p:spPr>
+          <p:style>
+            <a:lnRef idx="1">
+              <a:schemeClr val="accent1"/>
+            </a:lnRef>
+            <a:fillRef idx="0">
+              <a:schemeClr val="accent1"/>
+            </a:fillRef>
+            <a:effectRef idx="0">
+              <a:schemeClr val="accent1"/>
+            </a:effectRef>
+            <a:fontRef idx="minor">
+              <a:schemeClr val="tx1"/>
+            </a:fontRef>
+          </p:style>
+        </p:cxnSp>
+      </p:grpSp>
       <p:pic>
         <p:nvPicPr>
-          <p:cNvPr id="7" name="그림 6" descr="텍스트이(가) 표시된 사진&#10;&#10;자동 생성된 설명">
-            <a:extLst>
-              <a:ext uri="{FF2B5EF4-FFF2-40B4-BE49-F238E27FC236}">
-                <a16:creationId xmlns:a16="http://schemas.microsoft.com/office/drawing/2014/main" id="{DD11B117-962E-4629-AFD3-8DDDE5728B9A}"/>
+          <p:cNvPr id="11" name="그림 10">
+            <a:extLst>
+              <a:ext uri="{FF2B5EF4-FFF2-40B4-BE49-F238E27FC236}">
+                <a16:creationId xmlns:a16="http://schemas.microsoft.com/office/drawing/2014/main" id="{3534DD83-1B1D-4372-8B5E-902A099A5E4C}"/>
               </a:ext>
             </a:extLst>
           </p:cNvPr>
@@ -3931,7 +4124,7 @@
           <p:nvPr/>
         </p:nvPicPr>
         <p:blipFill>
-          <a:blip r:embed="rId3">
+          <a:blip r:embed="rId5">
             <a:extLst>
               <a:ext uri="{28A0092B-C50C-407E-A947-70E740481C1C}">
                 <a14:useLocalDpi xmlns:a14="http://schemas.microsoft.com/office/drawing/2010/main" val="0"/>
@@ -3944,86 +4137,118 @@
         </p:blipFill>
         <p:spPr>
           <a:xfrm>
-            <a:off x="2918969" y="1185549"/>
-            <a:ext cx="6354062" cy="4486901"/>
+            <a:off x="5542326" y="272252"/>
+            <a:ext cx="6110118" cy="4005868"/>
           </a:xfrm>
           <a:prstGeom prst="rect">
             <a:avLst/>
           </a:prstGeom>
         </p:spPr>
       </p:pic>
-      <p:pic>
-        <p:nvPicPr>
-          <p:cNvPr id="9" name="그림 8" descr="텍스트이(가) 표시된 사진&#10;&#10;자동 생성된 설명">
-            <a:extLst>
-              <a:ext uri="{FF2B5EF4-FFF2-40B4-BE49-F238E27FC236}">
-                <a16:creationId xmlns:a16="http://schemas.microsoft.com/office/drawing/2014/main" id="{4B90D6F0-16C7-498D-82DD-8F9F8E9205F9}"/>
-              </a:ext>
-            </a:extLst>
-          </p:cNvPr>
-          <p:cNvPicPr>
-            <a:picLocks noChangeAspect="1"/>
-          </p:cNvPicPr>
+      <p:sp>
+        <p:nvSpPr>
+          <p:cNvPr id="20" name="사각형: 둥근 모서리 19">
+            <a:extLst>
+              <a:ext uri="{FF2B5EF4-FFF2-40B4-BE49-F238E27FC236}">
+                <a16:creationId xmlns:a16="http://schemas.microsoft.com/office/drawing/2014/main" id="{015B1A64-4999-43FE-9D93-117E294D1803}"/>
+              </a:ext>
+            </a:extLst>
+          </p:cNvPr>
+          <p:cNvSpPr/>
           <p:nvPr/>
-        </p:nvPicPr>
-        <p:blipFill>
-          <a:blip r:embed="rId4">
-            <a:extLst>
-              <a:ext uri="{28A0092B-C50C-407E-A947-70E740481C1C}">
-                <a14:useLocalDpi xmlns:a14="http://schemas.microsoft.com/office/drawing/2010/main" val="0"/>
-              </a:ext>
-            </a:extLst>
-          </a:blip>
-          <a:stretch>
-            <a:fillRect/>
-          </a:stretch>
-        </p:blipFill>
+        </p:nvSpPr>
         <p:spPr>
           <a:xfrm>
-            <a:off x="0" y="37626"/>
-            <a:ext cx="4753638" cy="3391373"/>
+            <a:off x="7550092" y="2508308"/>
+            <a:ext cx="964734" cy="360727"/>
           </a:xfrm>
-          <a:prstGeom prst="rect">
+          <a:prstGeom prst="roundRect">
             <a:avLst/>
           </a:prstGeom>
+          <a:noFill/>
+          <a:ln w="28575">
+            <a:solidFill>
+              <a:srgbClr val="FF0000"/>
+            </a:solidFill>
+          </a:ln>
         </p:spPr>
-      </p:pic>
-      <p:pic>
-        <p:nvPicPr>
-          <p:cNvPr id="11" name="그림 10">
-            <a:extLst>
-              <a:ext uri="{FF2B5EF4-FFF2-40B4-BE49-F238E27FC236}">
-                <a16:creationId xmlns:a16="http://schemas.microsoft.com/office/drawing/2014/main" id="{3534DD83-1B1D-4372-8B5E-902A099A5E4C}"/>
-              </a:ext>
-            </a:extLst>
-          </p:cNvPr>
-          <p:cNvPicPr>
-            <a:picLocks noChangeAspect="1"/>
-          </p:cNvPicPr>
+        <p:style>
+          <a:lnRef idx="2">
+            <a:schemeClr val="accent1">
+              <a:shade val="50000"/>
+            </a:schemeClr>
+          </a:lnRef>
+          <a:fillRef idx="1">
+            <a:schemeClr val="accent1"/>
+          </a:fillRef>
+          <a:effectRef idx="0">
+            <a:schemeClr val="accent1"/>
+          </a:effectRef>
+          <a:fontRef idx="minor">
+            <a:schemeClr val="lt1"/>
+          </a:fontRef>
+        </p:style>
+        <p:txBody>
+          <a:bodyPr rtlCol="0" anchor="ctr"/>
+          <a:lstStyle/>
+          <a:p>
+            <a:pPr algn="ctr"/>
+            <a:endParaRPr lang="ko-KR" altLang="en-US" dirty="0"/>
+          </a:p>
+        </p:txBody>
+      </p:sp>
+      <p:sp>
+        <p:nvSpPr>
+          <p:cNvPr id="21" name="사각형: 둥근 모서리 20">
+            <a:extLst>
+              <a:ext uri="{FF2B5EF4-FFF2-40B4-BE49-F238E27FC236}">
+                <a16:creationId xmlns:a16="http://schemas.microsoft.com/office/drawing/2014/main" id="{32C206BB-EEC6-4A48-B150-ECF65856A0FC}"/>
+              </a:ext>
+            </a:extLst>
+          </p:cNvPr>
+          <p:cNvSpPr/>
           <p:nvPr/>
-        </p:nvPicPr>
-        <p:blipFill>
-          <a:blip r:embed="rId5">
-            <a:extLst>
-              <a:ext uri="{28A0092B-C50C-407E-A947-70E740481C1C}">
-                <a14:useLocalDpi xmlns:a14="http://schemas.microsoft.com/office/drawing/2010/main" val="0"/>
-              </a:ext>
-            </a:extLst>
-          </a:blip>
-          <a:stretch>
-            <a:fillRect/>
-          </a:stretch>
-        </p:blipFill>
+        </p:nvSpPr>
         <p:spPr>
           <a:xfrm>
-            <a:off x="5043919" y="37626"/>
-            <a:ext cx="7468642" cy="4896533"/>
+            <a:off x="4194495" y="5268286"/>
+            <a:ext cx="1276526" cy="150424"/>
           </a:xfrm>
-          <a:prstGeom prst="rect">
+          <a:prstGeom prst="roundRect">
             <a:avLst/>
           </a:prstGeom>
+          <a:noFill/>
+          <a:ln w="28575">
+            <a:solidFill>
+              <a:srgbClr val="FF0000"/>
+            </a:solidFill>
+          </a:ln>
         </p:spPr>
-      </p:pic>
+        <p:style>
+          <a:lnRef idx="2">
+            <a:schemeClr val="accent1">
+              <a:shade val="50000"/>
+            </a:schemeClr>
+          </a:lnRef>
+          <a:fillRef idx="1">
+            <a:schemeClr val="accent1"/>
+          </a:fillRef>
+          <a:effectRef idx="0">
+            <a:schemeClr val="accent1"/>
+          </a:effectRef>
+          <a:fontRef idx="minor">
+            <a:schemeClr val="lt1"/>
+          </a:fontRef>
+        </p:style>
+        <p:txBody>
+          <a:bodyPr rtlCol="0" anchor="ctr"/>
+          <a:lstStyle/>
+          <a:p>
+            <a:pPr algn="ctr"/>
+            <a:endParaRPr lang="ko-KR" altLang="en-US" dirty="0"/>
+          </a:p>
+        </p:txBody>
+      </p:sp>
     </p:spTree>
     <p:extLst>
       <p:ext uri="{BB962C8B-B14F-4D97-AF65-F5344CB8AC3E}">
@@ -4034,6 +4259,265 @@
   <p:clrMapOvr>
     <a:masterClrMapping/>
   </p:clrMapOvr>
+  <p:timing>
+    <p:tnLst>
+      <p:par>
+        <p:cTn id="1" dur="indefinite" restart="never" nodeType="tmRoot">
+          <p:childTnLst>
+            <p:seq concurrent="1" nextAc="seek">
+              <p:cTn id="2" dur="indefinite" nodeType="mainSeq">
+                <p:childTnLst>
+                  <p:par>
+                    <p:cTn id="3" fill="hold">
+                      <p:stCondLst>
+                        <p:cond delay="indefinite"/>
+                      </p:stCondLst>
+                      <p:childTnLst>
+                        <p:par>
+                          <p:cTn id="4" fill="hold">
+                            <p:stCondLst>
+                              <p:cond delay="0"/>
+                            </p:stCondLst>
+                            <p:childTnLst>
+                              <p:par>
+                                <p:cTn id="5" presetID="1" presetClass="entr" presetSubtype="0" fill="hold" nodeType="clickEffect">
+                                  <p:stCondLst>
+                                    <p:cond delay="0"/>
+                                  </p:stCondLst>
+                                  <p:childTnLst>
+                                    <p:set>
+                                      <p:cBhvr>
+                                        <p:cTn id="6" dur="1" fill="hold">
+                                          <p:stCondLst>
+                                            <p:cond delay="0"/>
+                                          </p:stCondLst>
+                                        </p:cTn>
+                                        <p:tgtEl>
+                                          <p:spTgt spid="16"/>
+                                        </p:tgtEl>
+                                        <p:attrNameLst>
+                                          <p:attrName>style.visibility</p:attrName>
+                                        </p:attrNameLst>
+                                      </p:cBhvr>
+                                      <p:to>
+                                        <p:strVal val="visible"/>
+                                      </p:to>
+                                    </p:set>
+                                  </p:childTnLst>
+                                </p:cTn>
+                              </p:par>
+                            </p:childTnLst>
+                          </p:cTn>
+                        </p:par>
+                      </p:childTnLst>
+                    </p:cTn>
+                  </p:par>
+                  <p:par>
+                    <p:cTn id="7" fill="hold">
+                      <p:stCondLst>
+                        <p:cond delay="indefinite"/>
+                      </p:stCondLst>
+                      <p:childTnLst>
+                        <p:par>
+                          <p:cTn id="8" fill="hold">
+                            <p:stCondLst>
+                              <p:cond delay="0"/>
+                            </p:stCondLst>
+                            <p:childTnLst>
+                              <p:par>
+                                <p:cTn id="9" presetID="1" presetClass="entr" presetSubtype="0" fill="hold" nodeType="clickEffect">
+                                  <p:stCondLst>
+                                    <p:cond delay="0"/>
+                                  </p:stCondLst>
+                                  <p:childTnLst>
+                                    <p:set>
+                                      <p:cBhvr>
+                                        <p:cTn id="10" dur="1" fill="hold">
+                                          <p:stCondLst>
+                                            <p:cond delay="0"/>
+                                          </p:stCondLst>
+                                        </p:cTn>
+                                        <p:tgtEl>
+                                          <p:spTgt spid="19"/>
+                                        </p:tgtEl>
+                                        <p:attrNameLst>
+                                          <p:attrName>style.visibility</p:attrName>
+                                        </p:attrNameLst>
+                                      </p:cBhvr>
+                                      <p:to>
+                                        <p:strVal val="visible"/>
+                                      </p:to>
+                                    </p:set>
+                                  </p:childTnLst>
+                                </p:cTn>
+                              </p:par>
+                            </p:childTnLst>
+                          </p:cTn>
+                        </p:par>
+                      </p:childTnLst>
+                    </p:cTn>
+                  </p:par>
+                  <p:par>
+                    <p:cTn id="11" fill="hold">
+                      <p:stCondLst>
+                        <p:cond delay="indefinite"/>
+                      </p:stCondLst>
+                      <p:childTnLst>
+                        <p:par>
+                          <p:cTn id="12" fill="hold">
+                            <p:stCondLst>
+                              <p:cond delay="0"/>
+                            </p:stCondLst>
+                            <p:childTnLst>
+                              <p:par>
+                                <p:cTn id="13" presetID="1" presetClass="entr" presetSubtype="0" fill="hold" nodeType="clickEffect">
+                                  <p:stCondLst>
+                                    <p:cond delay="0"/>
+                                  </p:stCondLst>
+                                  <p:childTnLst>
+                                    <p:set>
+                                      <p:cBhvr>
+                                        <p:cTn id="14" dur="1" fill="hold">
+                                          <p:stCondLst>
+                                            <p:cond delay="0"/>
+                                          </p:stCondLst>
+                                        </p:cTn>
+                                        <p:tgtEl>
+                                          <p:spTgt spid="11"/>
+                                        </p:tgtEl>
+                                        <p:attrNameLst>
+                                          <p:attrName>style.visibility</p:attrName>
+                                        </p:attrNameLst>
+                                      </p:cBhvr>
+                                      <p:to>
+                                        <p:strVal val="visible"/>
+                                      </p:to>
+                                    </p:set>
+                                  </p:childTnLst>
+                                </p:cTn>
+                              </p:par>
+                            </p:childTnLst>
+                          </p:cTn>
+                        </p:par>
+                      </p:childTnLst>
+                    </p:cTn>
+                  </p:par>
+                  <p:par>
+                    <p:cTn id="15" fill="hold">
+                      <p:stCondLst>
+                        <p:cond delay="indefinite"/>
+                      </p:stCondLst>
+                      <p:childTnLst>
+                        <p:par>
+                          <p:cTn id="16" fill="hold">
+                            <p:stCondLst>
+                              <p:cond delay="0"/>
+                            </p:stCondLst>
+                            <p:childTnLst>
+                              <p:par>
+                                <p:cTn id="17" presetID="1" presetClass="entr" presetSubtype="0" fill="hold" grpId="0" nodeType="clickEffect">
+                                  <p:stCondLst>
+                                    <p:cond delay="0"/>
+                                  </p:stCondLst>
+                                  <p:childTnLst>
+                                    <p:set>
+                                      <p:cBhvr>
+                                        <p:cTn id="18" dur="1" fill="hold">
+                                          <p:stCondLst>
+                                            <p:cond delay="0"/>
+                                          </p:stCondLst>
+                                        </p:cTn>
+                                        <p:tgtEl>
+                                          <p:spTgt spid="20"/>
+                                        </p:tgtEl>
+                                        <p:attrNameLst>
+                                          <p:attrName>style.visibility</p:attrName>
+                                        </p:attrNameLst>
+                                      </p:cBhvr>
+                                      <p:to>
+                                        <p:strVal val="visible"/>
+                                      </p:to>
+                                    </p:set>
+                                  </p:childTnLst>
+                                </p:cTn>
+                              </p:par>
+                            </p:childTnLst>
+                          </p:cTn>
+                        </p:par>
+                      </p:childTnLst>
+                    </p:cTn>
+                  </p:par>
+                  <p:par>
+                    <p:cTn id="19" fill="hold">
+                      <p:stCondLst>
+                        <p:cond delay="indefinite"/>
+                      </p:stCondLst>
+                      <p:childTnLst>
+                        <p:par>
+                          <p:cTn id="20" fill="hold">
+                            <p:stCondLst>
+                              <p:cond delay="0"/>
+                            </p:stCondLst>
+                            <p:childTnLst>
+                              <p:par>
+                                <p:cTn id="21" presetID="1" presetClass="entr" presetSubtype="0" fill="hold" grpId="0" nodeType="clickEffect">
+                                  <p:stCondLst>
+                                    <p:cond delay="0"/>
+                                  </p:stCondLst>
+                                  <p:childTnLst>
+                                    <p:set>
+                                      <p:cBhvr>
+                                        <p:cTn id="22" dur="1" fill="hold">
+                                          <p:stCondLst>
+                                            <p:cond delay="0"/>
+                                          </p:stCondLst>
+                                        </p:cTn>
+                                        <p:tgtEl>
+                                          <p:spTgt spid="21"/>
+                                        </p:tgtEl>
+                                        <p:attrNameLst>
+                                          <p:attrName>style.visibility</p:attrName>
+                                        </p:attrNameLst>
+                                      </p:cBhvr>
+                                      <p:to>
+                                        <p:strVal val="visible"/>
+                                      </p:to>
+                                    </p:set>
+                                  </p:childTnLst>
+                                </p:cTn>
+                              </p:par>
+                            </p:childTnLst>
+                          </p:cTn>
+                        </p:par>
+                      </p:childTnLst>
+                    </p:cTn>
+                  </p:par>
+                </p:childTnLst>
+              </p:cTn>
+              <p:prevCondLst>
+                <p:cond evt="onPrev" delay="0">
+                  <p:tgtEl>
+                    <p:sldTgt/>
+                  </p:tgtEl>
+                </p:cond>
+              </p:prevCondLst>
+              <p:nextCondLst>
+                <p:cond evt="onNext" delay="0">
+                  <p:tgtEl>
+                    <p:sldTgt/>
+                  </p:tgtEl>
+                </p:cond>
+              </p:nextCondLst>
+            </p:seq>
+          </p:childTnLst>
+        </p:cTn>
+      </p:par>
+    </p:tnLst>
+    <p:bldLst>
+      <p:bldP spid="20" grpId="0" animBg="1"/>
+      <p:bldP spid="21" grpId="0" animBg="1"/>
+    </p:bldLst>
+  </p:timing>
 </p:sld>
 </file>
 
@@ -4092,10 +4576,10 @@
       </p:pic>
       <p:pic>
         <p:nvPicPr>
-          <p:cNvPr id="4" name="그림 3" descr="텍스트이(가) 표시된 사진&#10;&#10;자동 생성된 설명">
-            <a:extLst>
-              <a:ext uri="{FF2B5EF4-FFF2-40B4-BE49-F238E27FC236}">
-                <a16:creationId xmlns:a16="http://schemas.microsoft.com/office/drawing/2014/main" id="{18B4B9CF-ADC8-4E45-8800-334E803E5EF9}"/>
+          <p:cNvPr id="8" name="그림 7" descr="텍스트이(가) 표시된 사진&#10;&#10;자동 생성된 설명">
+            <a:extLst>
+              <a:ext uri="{FF2B5EF4-FFF2-40B4-BE49-F238E27FC236}">
+                <a16:creationId xmlns:a16="http://schemas.microsoft.com/office/drawing/2014/main" id="{843311A2-DEF3-49CF-924B-DE750BF04658}"/>
               </a:ext>
             </a:extLst>
           </p:cNvPr>
@@ -4118,8 +4602,8 @@
         </p:blipFill>
         <p:spPr>
           <a:xfrm>
-            <a:off x="0" y="354178"/>
-            <a:ext cx="5296639" cy="1152686"/>
+            <a:off x="527562" y="1289417"/>
+            <a:ext cx="6544588" cy="5201376"/>
           </a:xfrm>
           <a:prstGeom prst="rect">
             <a:avLst/>
@@ -4128,10 +4612,10 @@
       </p:pic>
       <p:pic>
         <p:nvPicPr>
-          <p:cNvPr id="6" name="그림 5" descr="텍스트이(가) 표시된 사진&#10;&#10;자동 생성된 설명">
-            <a:extLst>
-              <a:ext uri="{FF2B5EF4-FFF2-40B4-BE49-F238E27FC236}">
-                <a16:creationId xmlns:a16="http://schemas.microsoft.com/office/drawing/2014/main" id="{87B95FD4-23EC-4F86-BA6C-1EF837D93013}"/>
+          <p:cNvPr id="4" name="그림 3" descr="텍스트이(가) 표시된 사진&#10;&#10;자동 생성된 설명">
+            <a:extLst>
+              <a:ext uri="{FF2B5EF4-FFF2-40B4-BE49-F238E27FC236}">
+                <a16:creationId xmlns:a16="http://schemas.microsoft.com/office/drawing/2014/main" id="{18B4B9CF-ADC8-4E45-8800-334E803E5EF9}"/>
               </a:ext>
             </a:extLst>
           </p:cNvPr>
@@ -4154,20 +4638,72 @@
         </p:blipFill>
         <p:spPr>
           <a:xfrm>
-            <a:off x="0" y="1774613"/>
-            <a:ext cx="7468642" cy="4896533"/>
+            <a:off x="164039" y="366362"/>
+            <a:ext cx="5296639" cy="1152686"/>
           </a:xfrm>
           <a:prstGeom prst="rect">
             <a:avLst/>
           </a:prstGeom>
         </p:spPr>
       </p:pic>
+      <p:sp>
+        <p:nvSpPr>
+          <p:cNvPr id="7" name="사각형: 둥근 모서리 6">
+            <a:extLst>
+              <a:ext uri="{FF2B5EF4-FFF2-40B4-BE49-F238E27FC236}">
+                <a16:creationId xmlns:a16="http://schemas.microsoft.com/office/drawing/2014/main" id="{DE466E2F-5254-4395-BF3E-D49473FDC7D4}"/>
+              </a:ext>
+            </a:extLst>
+          </p:cNvPr>
+          <p:cNvSpPr/>
+          <p:nvPr/>
+        </p:nvSpPr>
+        <p:spPr>
+          <a:xfrm>
+            <a:off x="164039" y="367207"/>
+            <a:ext cx="2293935" cy="236800"/>
+          </a:xfrm>
+          <a:prstGeom prst="roundRect">
+            <a:avLst/>
+          </a:prstGeom>
+          <a:noFill/>
+          <a:ln w="28575">
+            <a:solidFill>
+              <a:srgbClr val="FF0000"/>
+            </a:solidFill>
+          </a:ln>
+        </p:spPr>
+        <p:style>
+          <a:lnRef idx="2">
+            <a:schemeClr val="accent1">
+              <a:shade val="50000"/>
+            </a:schemeClr>
+          </a:lnRef>
+          <a:fillRef idx="1">
+            <a:schemeClr val="accent1"/>
+          </a:fillRef>
+          <a:effectRef idx="0">
+            <a:schemeClr val="accent1"/>
+          </a:effectRef>
+          <a:fontRef idx="minor">
+            <a:schemeClr val="lt1"/>
+          </a:fontRef>
+        </p:style>
+        <p:txBody>
+          <a:bodyPr rtlCol="0" anchor="ctr"/>
+          <a:lstStyle/>
+          <a:p>
+            <a:pPr algn="ctr"/>
+            <a:endParaRPr lang="ko-KR" altLang="en-US" dirty="0"/>
+          </a:p>
+        </p:txBody>
+      </p:sp>
       <p:pic>
         <p:nvPicPr>
-          <p:cNvPr id="8" name="그림 7" descr="텍스트이(가) 표시된 사진&#10;&#10;자동 생성된 설명">
-            <a:extLst>
-              <a:ext uri="{FF2B5EF4-FFF2-40B4-BE49-F238E27FC236}">
-                <a16:creationId xmlns:a16="http://schemas.microsoft.com/office/drawing/2014/main" id="{843311A2-DEF3-49CF-924B-DE750BF04658}"/>
+          <p:cNvPr id="6" name="그림 5" descr="텍스트이(가) 표시된 사진&#10;&#10;자동 생성된 설명">
+            <a:extLst>
+              <a:ext uri="{FF2B5EF4-FFF2-40B4-BE49-F238E27FC236}">
+                <a16:creationId xmlns:a16="http://schemas.microsoft.com/office/drawing/2014/main" id="{87B95FD4-23EC-4F86-BA6C-1EF837D93013}"/>
               </a:ext>
             </a:extLst>
           </p:cNvPr>
@@ -4190,8 +4726,8 @@
         </p:blipFill>
         <p:spPr>
           <a:xfrm>
-            <a:off x="5566906" y="828312"/>
-            <a:ext cx="6544588" cy="5201376"/>
+            <a:off x="4261607" y="442419"/>
+            <a:ext cx="7468642" cy="4896533"/>
           </a:xfrm>
           <a:prstGeom prst="rect">
             <a:avLst/>
@@ -4208,6 +4744,174 @@
   <p:clrMapOvr>
     <a:masterClrMapping/>
   </p:clrMapOvr>
+  <p:timing>
+    <p:tnLst>
+      <p:par>
+        <p:cTn id="1" dur="indefinite" restart="never" nodeType="tmRoot">
+          <p:childTnLst>
+            <p:seq concurrent="1" nextAc="seek">
+              <p:cTn id="2" dur="indefinite" nodeType="mainSeq">
+                <p:childTnLst>
+                  <p:par>
+                    <p:cTn id="3" fill="hold">
+                      <p:stCondLst>
+                        <p:cond delay="indefinite"/>
+                      </p:stCondLst>
+                      <p:childTnLst>
+                        <p:par>
+                          <p:cTn id="4" fill="hold">
+                            <p:stCondLst>
+                              <p:cond delay="0"/>
+                            </p:stCondLst>
+                            <p:childTnLst>
+                              <p:par>
+                                <p:cTn id="5" presetID="1" presetClass="entr" presetSubtype="0" fill="hold" grpId="0" nodeType="clickEffect">
+                                  <p:stCondLst>
+                                    <p:cond delay="0"/>
+                                  </p:stCondLst>
+                                  <p:childTnLst>
+                                    <p:set>
+                                      <p:cBhvr>
+                                        <p:cTn id="6" dur="1" fill="hold">
+                                          <p:stCondLst>
+                                            <p:cond delay="0"/>
+                                          </p:stCondLst>
+                                        </p:cTn>
+                                        <p:tgtEl>
+                                          <p:spTgt spid="7"/>
+                                        </p:tgtEl>
+                                        <p:attrNameLst>
+                                          <p:attrName>style.visibility</p:attrName>
+                                        </p:attrNameLst>
+                                      </p:cBhvr>
+                                      <p:to>
+                                        <p:strVal val="visible"/>
+                                      </p:to>
+                                    </p:set>
+                                  </p:childTnLst>
+                                </p:cTn>
+                              </p:par>
+                            </p:childTnLst>
+                          </p:cTn>
+                        </p:par>
+                      </p:childTnLst>
+                    </p:cTn>
+                  </p:par>
+                  <p:par>
+                    <p:cTn id="7" fill="hold">
+                      <p:stCondLst>
+                        <p:cond delay="indefinite"/>
+                      </p:stCondLst>
+                      <p:childTnLst>
+                        <p:par>
+                          <p:cTn id="8" fill="hold">
+                            <p:stCondLst>
+                              <p:cond delay="0"/>
+                            </p:stCondLst>
+                            <p:childTnLst>
+                              <p:par>
+                                <p:cTn id="9" presetID="1" presetClass="entr" presetSubtype="0" fill="hold" nodeType="clickEffect">
+                                  <p:stCondLst>
+                                    <p:cond delay="0"/>
+                                  </p:stCondLst>
+                                  <p:childTnLst>
+                                    <p:set>
+                                      <p:cBhvr>
+                                        <p:cTn id="10" dur="1" fill="hold">
+                                          <p:stCondLst>
+                                            <p:cond delay="0"/>
+                                          </p:stCondLst>
+                                        </p:cTn>
+                                        <p:tgtEl>
+                                          <p:spTgt spid="8"/>
+                                        </p:tgtEl>
+                                        <p:attrNameLst>
+                                          <p:attrName>style.visibility</p:attrName>
+                                        </p:attrNameLst>
+                                      </p:cBhvr>
+                                      <p:to>
+                                        <p:strVal val="visible"/>
+                                      </p:to>
+                                    </p:set>
+                                  </p:childTnLst>
+                                </p:cTn>
+                              </p:par>
+                            </p:childTnLst>
+                          </p:cTn>
+                        </p:par>
+                      </p:childTnLst>
+                    </p:cTn>
+                  </p:par>
+                  <p:par>
+                    <p:cTn id="11" fill="hold">
+                      <p:stCondLst>
+                        <p:cond delay="indefinite"/>
+                      </p:stCondLst>
+                      <p:childTnLst>
+                        <p:par>
+                          <p:cTn id="12" fill="hold">
+                            <p:stCondLst>
+                              <p:cond delay="0"/>
+                            </p:stCondLst>
+                            <p:childTnLst>
+                              <p:par>
+                                <p:cTn id="13" presetID="1" presetClass="entr" presetSubtype="0" fill="hold" nodeType="clickEffect">
+                                  <p:stCondLst>
+                                    <p:cond delay="0"/>
+                                  </p:stCondLst>
+                                  <p:childTnLst>
+                                    <p:set>
+                                      <p:cBhvr>
+                                        <p:cTn id="14" dur="1" fill="hold">
+                                          <p:stCondLst>
+                                            <p:cond delay="0"/>
+                                          </p:stCondLst>
+                                        </p:cTn>
+                                        <p:tgtEl>
+                                          <p:spTgt spid="6"/>
+                                        </p:tgtEl>
+                                        <p:attrNameLst>
+                                          <p:attrName>style.visibility</p:attrName>
+                                        </p:attrNameLst>
+                                      </p:cBhvr>
+                                      <p:to>
+                                        <p:strVal val="visible"/>
+                                      </p:to>
+                                    </p:set>
+                                  </p:childTnLst>
+                                </p:cTn>
+                              </p:par>
+                            </p:childTnLst>
+                          </p:cTn>
+                        </p:par>
+                      </p:childTnLst>
+                    </p:cTn>
+                  </p:par>
+                </p:childTnLst>
+              </p:cTn>
+              <p:prevCondLst>
+                <p:cond evt="onPrev" delay="0">
+                  <p:tgtEl>
+                    <p:sldTgt/>
+                  </p:tgtEl>
+                </p:cond>
+              </p:prevCondLst>
+              <p:nextCondLst>
+                <p:cond evt="onNext" delay="0">
+                  <p:tgtEl>
+                    <p:sldTgt/>
+                  </p:tgtEl>
+                </p:cond>
+              </p:nextCondLst>
+            </p:seq>
+          </p:childTnLst>
+        </p:cTn>
+      </p:par>
+    </p:tnLst>
+    <p:bldLst>
+      <p:bldP spid="7" grpId="0" animBg="1"/>
+    </p:bldLst>
+  </p:timing>
 </p:sld>
 </file>
 
@@ -4266,10 +4970,10 @@
       </p:pic>
       <p:pic>
         <p:nvPicPr>
-          <p:cNvPr id="4" name="그림 3" descr="텍스트이(가) 표시된 사진&#10;&#10;자동 생성된 설명">
-            <a:extLst>
-              <a:ext uri="{FF2B5EF4-FFF2-40B4-BE49-F238E27FC236}">
-                <a16:creationId xmlns:a16="http://schemas.microsoft.com/office/drawing/2014/main" id="{332C45ED-8F49-4388-A7FA-C2485DE98B22}"/>
+          <p:cNvPr id="8" name="그림 7" descr="텍스트이(가) 표시된 사진&#10;&#10;자동 생성된 설명">
+            <a:extLst>
+              <a:ext uri="{FF2B5EF4-FFF2-40B4-BE49-F238E27FC236}">
+                <a16:creationId xmlns:a16="http://schemas.microsoft.com/office/drawing/2014/main" id="{E9C5B2ED-0C5C-48BB-857A-765E80D3ADA7}"/>
               </a:ext>
             </a:extLst>
           </p:cNvPr>
@@ -4292,7 +4996,95 @@
         </p:blipFill>
         <p:spPr>
           <a:xfrm>
-            <a:off x="0" y="0"/>
+            <a:off x="2250490" y="1451241"/>
+            <a:ext cx="7316221" cy="3686689"/>
+          </a:xfrm>
+          <a:prstGeom prst="rect">
+            <a:avLst/>
+          </a:prstGeom>
+        </p:spPr>
+      </p:pic>
+      <p:sp>
+        <p:nvSpPr>
+          <p:cNvPr id="7" name="사각형: 둥근 모서리 6">
+            <a:extLst>
+              <a:ext uri="{FF2B5EF4-FFF2-40B4-BE49-F238E27FC236}">
+                <a16:creationId xmlns:a16="http://schemas.microsoft.com/office/drawing/2014/main" id="{7EAEF998-59D0-42BC-808E-45FE1D3F8412}"/>
+              </a:ext>
+            </a:extLst>
+          </p:cNvPr>
+          <p:cNvSpPr/>
+          <p:nvPr/>
+        </p:nvSpPr>
+        <p:spPr>
+          <a:xfrm>
+            <a:off x="2608511" y="3984771"/>
+            <a:ext cx="598023" cy="243280"/>
+          </a:xfrm>
+          <a:prstGeom prst="roundRect">
+            <a:avLst/>
+          </a:prstGeom>
+          <a:noFill/>
+          <a:ln w="28575">
+            <a:solidFill>
+              <a:srgbClr val="FF0000"/>
+            </a:solidFill>
+          </a:ln>
+        </p:spPr>
+        <p:style>
+          <a:lnRef idx="2">
+            <a:schemeClr val="accent1">
+              <a:shade val="50000"/>
+            </a:schemeClr>
+          </a:lnRef>
+          <a:fillRef idx="1">
+            <a:schemeClr val="accent1"/>
+          </a:fillRef>
+          <a:effectRef idx="0">
+            <a:schemeClr val="accent1"/>
+          </a:effectRef>
+          <a:fontRef idx="minor">
+            <a:schemeClr val="lt1"/>
+          </a:fontRef>
+        </p:style>
+        <p:txBody>
+          <a:bodyPr rtlCol="0" anchor="ctr"/>
+          <a:lstStyle/>
+          <a:p>
+            <a:pPr algn="ctr"/>
+            <a:endParaRPr lang="ko-KR" altLang="en-US" dirty="0"/>
+          </a:p>
+        </p:txBody>
+      </p:sp>
+      <p:pic>
+        <p:nvPicPr>
+          <p:cNvPr id="4" name="그림 3" descr="텍스트이(가) 표시된 사진&#10;&#10;자동 생성된 설명">
+            <a:extLst>
+              <a:ext uri="{FF2B5EF4-FFF2-40B4-BE49-F238E27FC236}">
+                <a16:creationId xmlns:a16="http://schemas.microsoft.com/office/drawing/2014/main" id="{332C45ED-8F49-4388-A7FA-C2485DE98B22}"/>
+              </a:ext>
+            </a:extLst>
+          </p:cNvPr>
+          <p:cNvPicPr>
+            <a:picLocks noChangeAspect="1"/>
+          </p:cNvPicPr>
+          <p:nvPr/>
+        </p:nvPicPr>
+        <p:blipFill>
+          <a:blip r:embed="rId4">
+            <a:extLst>
+              <a:ext uri="{28A0092B-C50C-407E-A947-70E740481C1C}">
+                <a14:useLocalDpi xmlns:a14="http://schemas.microsoft.com/office/drawing/2010/main" val="0"/>
+              </a:ext>
+            </a:extLst>
+          </a:blip>
+          <a:stretch>
+            <a:fillRect/>
+          </a:stretch>
+        </p:blipFill>
+        <p:spPr>
+          <a:xfrm>
+            <a:off x="374801" y="440404"/>
             <a:ext cx="11136279" cy="1409897"/>
           </a:xfrm>
           <a:prstGeom prst="rect">
@@ -4315,7 +5107,7 @@
           <p:nvPr/>
         </p:nvPicPr>
         <p:blipFill>
-          <a:blip r:embed="rId4">
+          <a:blip r:embed="rId5">
             <a:extLst>
               <a:ext uri="{28A0092B-C50C-407E-A947-70E740481C1C}">
                 <a14:useLocalDpi xmlns:a14="http://schemas.microsoft.com/office/drawing/2010/main" val="0"/>
@@ -4328,7 +5120,7 @@
         </p:blipFill>
         <p:spPr>
           <a:xfrm>
-            <a:off x="0" y="2287984"/>
+            <a:off x="238887" y="2728815"/>
             <a:ext cx="8926171" cy="3419952"/>
           </a:xfrm>
           <a:prstGeom prst="rect">
@@ -4336,12 +5128,116 @@
           </a:prstGeom>
         </p:spPr>
       </p:pic>
+      <p:sp>
+        <p:nvSpPr>
+          <p:cNvPr id="9" name="사각형: 둥근 모서리 8">
+            <a:extLst>
+              <a:ext uri="{FF2B5EF4-FFF2-40B4-BE49-F238E27FC236}">
+                <a16:creationId xmlns:a16="http://schemas.microsoft.com/office/drawing/2014/main" id="{8F97E561-FE77-49FC-8AFF-D2A897BD62AE}"/>
+              </a:ext>
+            </a:extLst>
+          </p:cNvPr>
+          <p:cNvSpPr/>
+          <p:nvPr/>
+        </p:nvSpPr>
+        <p:spPr>
+          <a:xfrm>
+            <a:off x="8059651" y="902072"/>
+            <a:ext cx="3265487" cy="243280"/>
+          </a:xfrm>
+          <a:prstGeom prst="roundRect">
+            <a:avLst/>
+          </a:prstGeom>
+          <a:noFill/>
+          <a:ln w="28575">
+            <a:solidFill>
+              <a:srgbClr val="FF0000"/>
+            </a:solidFill>
+          </a:ln>
+        </p:spPr>
+        <p:style>
+          <a:lnRef idx="2">
+            <a:schemeClr val="accent1">
+              <a:shade val="50000"/>
+            </a:schemeClr>
+          </a:lnRef>
+          <a:fillRef idx="1">
+            <a:schemeClr val="accent1"/>
+          </a:fillRef>
+          <a:effectRef idx="0">
+            <a:schemeClr val="accent1"/>
+          </a:effectRef>
+          <a:fontRef idx="minor">
+            <a:schemeClr val="lt1"/>
+          </a:fontRef>
+        </p:style>
+        <p:txBody>
+          <a:bodyPr rtlCol="0" anchor="ctr"/>
+          <a:lstStyle/>
+          <a:p>
+            <a:pPr algn="ctr"/>
+            <a:endParaRPr lang="ko-KR" altLang="en-US" dirty="0"/>
+          </a:p>
+        </p:txBody>
+      </p:sp>
+      <p:sp>
+        <p:nvSpPr>
+          <p:cNvPr id="11" name="사각형: 둥근 모서리 10">
+            <a:extLst>
+              <a:ext uri="{FF2B5EF4-FFF2-40B4-BE49-F238E27FC236}">
+                <a16:creationId xmlns:a16="http://schemas.microsoft.com/office/drawing/2014/main" id="{EC132C05-3AFF-4983-9AA4-DD528F58BD82}"/>
+              </a:ext>
+            </a:extLst>
+          </p:cNvPr>
+          <p:cNvSpPr/>
+          <p:nvPr/>
+        </p:nvSpPr>
+        <p:spPr>
+          <a:xfrm>
+            <a:off x="1249960" y="1333850"/>
+            <a:ext cx="922789" cy="202654"/>
+          </a:xfrm>
+          <a:prstGeom prst="roundRect">
+            <a:avLst/>
+          </a:prstGeom>
+          <a:noFill/>
+          <a:ln w="28575">
+            <a:solidFill>
+              <a:srgbClr val="FF0000"/>
+            </a:solidFill>
+          </a:ln>
+        </p:spPr>
+        <p:style>
+          <a:lnRef idx="2">
+            <a:schemeClr val="accent1">
+              <a:shade val="50000"/>
+            </a:schemeClr>
+          </a:lnRef>
+          <a:fillRef idx="1">
+            <a:schemeClr val="accent1"/>
+          </a:fillRef>
+          <a:effectRef idx="0">
+            <a:schemeClr val="accent1"/>
+          </a:effectRef>
+          <a:fontRef idx="minor">
+            <a:schemeClr val="lt1"/>
+          </a:fontRef>
+        </p:style>
+        <p:txBody>
+          <a:bodyPr rtlCol="0" anchor="ctr"/>
+          <a:lstStyle/>
+          <a:p>
+            <a:pPr algn="ctr"/>
+            <a:endParaRPr lang="ko-KR" altLang="en-US" dirty="0"/>
+          </a:p>
+        </p:txBody>
+      </p:sp>
       <p:pic>
         <p:nvPicPr>
-          <p:cNvPr id="8" name="그림 7" descr="텍스트이(가) 표시된 사진&#10;&#10;자동 생성된 설명">
-            <a:extLst>
-              <a:ext uri="{FF2B5EF4-FFF2-40B4-BE49-F238E27FC236}">
-                <a16:creationId xmlns:a16="http://schemas.microsoft.com/office/drawing/2014/main" id="{E9C5B2ED-0C5C-48BB-857A-765E80D3ADA7}"/>
+          <p:cNvPr id="5" name="그림 4" descr="텍스트이(가) 표시된 사진&#10;&#10;자동 생성된 설명">
+            <a:extLst>
+              <a:ext uri="{FF2B5EF4-FFF2-40B4-BE49-F238E27FC236}">
+                <a16:creationId xmlns:a16="http://schemas.microsoft.com/office/drawing/2014/main" id="{23BB1DD6-D8E3-4F01-8FFD-27821B7FB93A}"/>
               </a:ext>
             </a:extLst>
           </p:cNvPr>
@@ -4351,7 +5247,7 @@
           <p:nvPr/>
         </p:nvPicPr>
         <p:blipFill>
-          <a:blip r:embed="rId5">
+          <a:blip r:embed="rId6">
             <a:extLst>
               <a:ext uri="{28A0092B-C50C-407E-A947-70E740481C1C}">
                 <a14:useLocalDpi xmlns:a14="http://schemas.microsoft.com/office/drawing/2010/main" val="0"/>
@@ -4364,8 +5260,8 @@
         </p:blipFill>
         <p:spPr>
           <a:xfrm>
-            <a:off x="4875779" y="3171311"/>
-            <a:ext cx="7316221" cy="3686689"/>
+            <a:off x="623331" y="2241622"/>
+            <a:ext cx="10459910" cy="1381318"/>
           </a:xfrm>
           <a:prstGeom prst="rect">
             <a:avLst/>
@@ -4387,7 +5283,7 @@
           <p:nvPr/>
         </p:nvPicPr>
         <p:blipFill>
-          <a:blip r:embed="rId6">
+          <a:blip r:embed="rId7">
             <a:extLst>
               <a:ext uri="{28A0092B-C50C-407E-A947-70E740481C1C}">
                 <a14:useLocalDpi xmlns:a14="http://schemas.microsoft.com/office/drawing/2010/main" val="0"/>
@@ -4400,8 +5296,8 @@
         </p:blipFill>
         <p:spPr>
           <a:xfrm>
-            <a:off x="2808719" y="614973"/>
-            <a:ext cx="7468642" cy="4896533"/>
+            <a:off x="217189" y="385767"/>
+            <a:ext cx="11272193" cy="5763000"/>
           </a:xfrm>
           <a:prstGeom prst="rect">
             <a:avLst/>
@@ -4418,6 +5314,356 @@
   <p:clrMapOvr>
     <a:masterClrMapping/>
   </p:clrMapOvr>
+  <p:timing>
+    <p:tnLst>
+      <p:par>
+        <p:cTn id="1" dur="indefinite" restart="never" nodeType="tmRoot">
+          <p:childTnLst>
+            <p:seq concurrent="1" nextAc="seek">
+              <p:cTn id="2" dur="indefinite" nodeType="mainSeq">
+                <p:childTnLst>
+                  <p:par>
+                    <p:cTn id="3" fill="hold">
+                      <p:stCondLst>
+                        <p:cond delay="indefinite"/>
+                      </p:stCondLst>
+                      <p:childTnLst>
+                        <p:par>
+                          <p:cTn id="4" fill="hold">
+                            <p:stCondLst>
+                              <p:cond delay="0"/>
+                            </p:stCondLst>
+                            <p:childTnLst>
+                              <p:par>
+                                <p:cTn id="5" presetID="1" presetClass="entr" presetSubtype="0" fill="hold" grpId="0" nodeType="clickEffect">
+                                  <p:stCondLst>
+                                    <p:cond delay="0"/>
+                                  </p:stCondLst>
+                                  <p:childTnLst>
+                                    <p:set>
+                                      <p:cBhvr>
+                                        <p:cTn id="6" dur="1" fill="hold">
+                                          <p:stCondLst>
+                                            <p:cond delay="0"/>
+                                          </p:stCondLst>
+                                        </p:cTn>
+                                        <p:tgtEl>
+                                          <p:spTgt spid="7"/>
+                                        </p:tgtEl>
+                                        <p:attrNameLst>
+                                          <p:attrName>style.visibility</p:attrName>
+                                        </p:attrNameLst>
+                                      </p:cBhvr>
+                                      <p:to>
+                                        <p:strVal val="visible"/>
+                                      </p:to>
+                                    </p:set>
+                                  </p:childTnLst>
+                                </p:cTn>
+                              </p:par>
+                            </p:childTnLst>
+                          </p:cTn>
+                        </p:par>
+                      </p:childTnLst>
+                    </p:cTn>
+                  </p:par>
+                  <p:par>
+                    <p:cTn id="7" fill="hold">
+                      <p:stCondLst>
+                        <p:cond delay="indefinite"/>
+                      </p:stCondLst>
+                      <p:childTnLst>
+                        <p:par>
+                          <p:cTn id="8" fill="hold">
+                            <p:stCondLst>
+                              <p:cond delay="0"/>
+                            </p:stCondLst>
+                            <p:childTnLst>
+                              <p:par>
+                                <p:cTn id="9" presetID="1" presetClass="entr" presetSubtype="0" fill="hold" nodeType="clickEffect">
+                                  <p:stCondLst>
+                                    <p:cond delay="0"/>
+                                  </p:stCondLst>
+                                  <p:childTnLst>
+                                    <p:set>
+                                      <p:cBhvr>
+                                        <p:cTn id="10" dur="1" fill="hold">
+                                          <p:stCondLst>
+                                            <p:cond delay="0"/>
+                                          </p:stCondLst>
+                                        </p:cTn>
+                                        <p:tgtEl>
+                                          <p:spTgt spid="4"/>
+                                        </p:tgtEl>
+                                        <p:attrNameLst>
+                                          <p:attrName>style.visibility</p:attrName>
+                                        </p:attrNameLst>
+                                      </p:cBhvr>
+                                      <p:to>
+                                        <p:strVal val="visible"/>
+                                      </p:to>
+                                    </p:set>
+                                  </p:childTnLst>
+                                </p:cTn>
+                              </p:par>
+                            </p:childTnLst>
+                          </p:cTn>
+                        </p:par>
+                      </p:childTnLst>
+                    </p:cTn>
+                  </p:par>
+                  <p:par>
+                    <p:cTn id="11" fill="hold">
+                      <p:stCondLst>
+                        <p:cond delay="indefinite"/>
+                      </p:stCondLst>
+                      <p:childTnLst>
+                        <p:par>
+                          <p:cTn id="12" fill="hold">
+                            <p:stCondLst>
+                              <p:cond delay="0"/>
+                            </p:stCondLst>
+                            <p:childTnLst>
+                              <p:par>
+                                <p:cTn id="13" presetID="1" presetClass="entr" presetSubtype="0" fill="hold" grpId="0" nodeType="clickEffect">
+                                  <p:stCondLst>
+                                    <p:cond delay="0"/>
+                                  </p:stCondLst>
+                                  <p:childTnLst>
+                                    <p:set>
+                                      <p:cBhvr>
+                                        <p:cTn id="14" dur="1" fill="hold">
+                                          <p:stCondLst>
+                                            <p:cond delay="0"/>
+                                          </p:stCondLst>
+                                        </p:cTn>
+                                        <p:tgtEl>
+                                          <p:spTgt spid="9"/>
+                                        </p:tgtEl>
+                                        <p:attrNameLst>
+                                          <p:attrName>style.visibility</p:attrName>
+                                        </p:attrNameLst>
+                                      </p:cBhvr>
+                                      <p:to>
+                                        <p:strVal val="visible"/>
+                                      </p:to>
+                                    </p:set>
+                                  </p:childTnLst>
+                                </p:cTn>
+                              </p:par>
+                            </p:childTnLst>
+                          </p:cTn>
+                        </p:par>
+                      </p:childTnLst>
+                    </p:cTn>
+                  </p:par>
+                  <p:par>
+                    <p:cTn id="15" fill="hold">
+                      <p:stCondLst>
+                        <p:cond delay="indefinite"/>
+                      </p:stCondLst>
+                      <p:childTnLst>
+                        <p:par>
+                          <p:cTn id="16" fill="hold">
+                            <p:stCondLst>
+                              <p:cond delay="0"/>
+                            </p:stCondLst>
+                            <p:childTnLst>
+                              <p:par>
+                                <p:cTn id="17" presetID="1" presetClass="entr" presetSubtype="0" fill="hold" nodeType="clickEffect">
+                                  <p:stCondLst>
+                                    <p:cond delay="0"/>
+                                  </p:stCondLst>
+                                  <p:childTnLst>
+                                    <p:set>
+                                      <p:cBhvr>
+                                        <p:cTn id="18" dur="1" fill="hold">
+                                          <p:stCondLst>
+                                            <p:cond delay="0"/>
+                                          </p:stCondLst>
+                                        </p:cTn>
+                                        <p:tgtEl>
+                                          <p:spTgt spid="6"/>
+                                        </p:tgtEl>
+                                        <p:attrNameLst>
+                                          <p:attrName>style.visibility</p:attrName>
+                                        </p:attrNameLst>
+                                      </p:cBhvr>
+                                      <p:to>
+                                        <p:strVal val="visible"/>
+                                      </p:to>
+                                    </p:set>
+                                  </p:childTnLst>
+                                </p:cTn>
+                              </p:par>
+                            </p:childTnLst>
+                          </p:cTn>
+                        </p:par>
+                      </p:childTnLst>
+                    </p:cTn>
+                  </p:par>
+                  <p:par>
+                    <p:cTn id="19" fill="hold">
+                      <p:stCondLst>
+                        <p:cond delay="indefinite"/>
+                      </p:stCondLst>
+                      <p:childTnLst>
+                        <p:par>
+                          <p:cTn id="20" fill="hold">
+                            <p:stCondLst>
+                              <p:cond delay="0"/>
+                            </p:stCondLst>
+                            <p:childTnLst>
+                              <p:par>
+                                <p:cTn id="21" presetID="1" presetClass="entr" presetSubtype="0" fill="hold" nodeType="clickEffect">
+                                  <p:stCondLst>
+                                    <p:cond delay="0"/>
+                                  </p:stCondLst>
+                                  <p:childTnLst>
+                                    <p:set>
+                                      <p:cBhvr>
+                                        <p:cTn id="22" dur="1" fill="hold">
+                                          <p:stCondLst>
+                                            <p:cond delay="0"/>
+                                          </p:stCondLst>
+                                        </p:cTn>
+                                        <p:tgtEl>
+                                          <p:spTgt spid="5"/>
+                                        </p:tgtEl>
+                                        <p:attrNameLst>
+                                          <p:attrName>style.visibility</p:attrName>
+                                        </p:attrNameLst>
+                                      </p:cBhvr>
+                                      <p:to>
+                                        <p:strVal val="visible"/>
+                                      </p:to>
+                                    </p:set>
+                                  </p:childTnLst>
+                                </p:cTn>
+                              </p:par>
+                            </p:childTnLst>
+                          </p:cTn>
+                        </p:par>
+                      </p:childTnLst>
+                    </p:cTn>
+                  </p:par>
+                  <p:par>
+                    <p:cTn id="23" fill="hold">
+                      <p:stCondLst>
+                        <p:cond delay="indefinite"/>
+                      </p:stCondLst>
+                      <p:childTnLst>
+                        <p:par>
+                          <p:cTn id="24" fill="hold">
+                            <p:stCondLst>
+                              <p:cond delay="0"/>
+                            </p:stCondLst>
+                            <p:childTnLst>
+                              <p:par>
+                                <p:cTn id="25" presetID="1" presetClass="entr" presetSubtype="0" fill="hold" grpId="0" nodeType="clickEffect">
+                                  <p:stCondLst>
+                                    <p:cond delay="0"/>
+                                  </p:stCondLst>
+                                  <p:childTnLst>
+                                    <p:set>
+                                      <p:cBhvr>
+                                        <p:cTn id="26" dur="1" fill="hold">
+                                          <p:stCondLst>
+                                            <p:cond delay="0"/>
+                                          </p:stCondLst>
+                                        </p:cTn>
+                                        <p:tgtEl>
+                                          <p:spTgt spid="11"/>
+                                        </p:tgtEl>
+                                        <p:attrNameLst>
+                                          <p:attrName>style.visibility</p:attrName>
+                                        </p:attrNameLst>
+                                      </p:cBhvr>
+                                      <p:to>
+                                        <p:strVal val="visible"/>
+                                      </p:to>
+                                    </p:set>
+                                  </p:childTnLst>
+                                </p:cTn>
+                              </p:par>
+                            </p:childTnLst>
+                          </p:cTn>
+                        </p:par>
+                      </p:childTnLst>
+                    </p:cTn>
+                  </p:par>
+                  <p:par>
+                    <p:cTn id="27" fill="hold">
+                      <p:stCondLst>
+                        <p:cond delay="indefinite"/>
+                      </p:stCondLst>
+                      <p:childTnLst>
+                        <p:par>
+                          <p:cTn id="28" fill="hold">
+                            <p:stCondLst>
+                              <p:cond delay="0"/>
+                            </p:stCondLst>
+                            <p:childTnLst>
+                              <p:par>
+                                <p:cTn id="29" presetID="1" presetClass="entr" presetSubtype="0" fill="hold" nodeType="clickEffect">
+                                  <p:stCondLst>
+                                    <p:cond delay="0"/>
+                                  </p:stCondLst>
+                                  <p:childTnLst>
+                                    <p:set>
+                                      <p:cBhvr>
+                                        <p:cTn id="30" dur="1" fill="hold">
+                                          <p:stCondLst>
+                                            <p:cond delay="0"/>
+                                          </p:stCondLst>
+                                        </p:cTn>
+                                        <p:tgtEl>
+                                          <p:spTgt spid="10"/>
+                                        </p:tgtEl>
+                                        <p:attrNameLst>
+                                          <p:attrName>style.visibility</p:attrName>
+                                        </p:attrNameLst>
+                                      </p:cBhvr>
+                                      <p:to>
+                                        <p:strVal val="visible"/>
+                                      </p:to>
+                                    </p:set>
+                                  </p:childTnLst>
+                                </p:cTn>
+                              </p:par>
+                            </p:childTnLst>
+                          </p:cTn>
+                        </p:par>
+                      </p:childTnLst>
+                    </p:cTn>
+                  </p:par>
+                </p:childTnLst>
+              </p:cTn>
+              <p:prevCondLst>
+                <p:cond evt="onPrev" delay="0">
+                  <p:tgtEl>
+                    <p:sldTgt/>
+                  </p:tgtEl>
+                </p:cond>
+              </p:prevCondLst>
+              <p:nextCondLst>
+                <p:cond evt="onNext" delay="0">
+                  <p:tgtEl>
+                    <p:sldTgt/>
+                  </p:tgtEl>
+                </p:cond>
+              </p:nextCondLst>
+            </p:seq>
+          </p:childTnLst>
+        </p:cTn>
+      </p:par>
+    </p:tnLst>
+    <p:bldLst>
+      <p:bldP spid="7" grpId="0" animBg="1"/>
+      <p:bldP spid="9" grpId="0" animBg="1"/>
+      <p:bldP spid="11" grpId="0" animBg="1"/>
+    </p:bldLst>
+  </p:timing>
 </p:sld>
 </file>
 
@@ -4476,10 +5722,10 @@
       </p:pic>
       <p:pic>
         <p:nvPicPr>
-          <p:cNvPr id="4" name="그림 3" descr="텍스트이(가) 표시된 사진&#10;&#10;자동 생성된 설명">
-            <a:extLst>
-              <a:ext uri="{FF2B5EF4-FFF2-40B4-BE49-F238E27FC236}">
-                <a16:creationId xmlns:a16="http://schemas.microsoft.com/office/drawing/2014/main" id="{C6948F84-E7B1-456E-8BAE-ED11CAFB225B}"/>
+          <p:cNvPr id="7" name="그림 6">
+            <a:extLst>
+              <a:ext uri="{FF2B5EF4-FFF2-40B4-BE49-F238E27FC236}">
+                <a16:creationId xmlns:a16="http://schemas.microsoft.com/office/drawing/2014/main" id="{8171F4D9-16A1-46F3-A026-003E4D5D9E67}"/>
               </a:ext>
             </a:extLst>
           </p:cNvPr>
@@ -4502,7 +5748,323 @@
         </p:blipFill>
         <p:spPr>
           <a:xfrm>
-            <a:off x="38105" y="1628045"/>
+            <a:off x="2479162" y="1300875"/>
+            <a:ext cx="6549531" cy="4397156"/>
+          </a:xfrm>
+          <a:prstGeom prst="rect">
+            <a:avLst/>
+          </a:prstGeom>
+        </p:spPr>
+      </p:pic>
+      <p:sp>
+        <p:nvSpPr>
+          <p:cNvPr id="9" name="사각형: 둥근 모서리 8">
+            <a:extLst>
+              <a:ext uri="{FF2B5EF4-FFF2-40B4-BE49-F238E27FC236}">
+                <a16:creationId xmlns:a16="http://schemas.microsoft.com/office/drawing/2014/main" id="{D178A305-01D2-4580-B189-22ECB1A102A2}"/>
+              </a:ext>
+            </a:extLst>
+          </p:cNvPr>
+          <p:cNvSpPr/>
+          <p:nvPr/>
+        </p:nvSpPr>
+        <p:spPr>
+          <a:xfrm>
+            <a:off x="5916482" y="3816991"/>
+            <a:ext cx="964734" cy="279224"/>
+          </a:xfrm>
+          <a:prstGeom prst="roundRect">
+            <a:avLst/>
+          </a:prstGeom>
+          <a:noFill/>
+          <a:ln w="28575">
+            <a:solidFill>
+              <a:srgbClr val="FF0000"/>
+            </a:solidFill>
+          </a:ln>
+        </p:spPr>
+        <p:style>
+          <a:lnRef idx="2">
+            <a:schemeClr val="accent1">
+              <a:shade val="50000"/>
+            </a:schemeClr>
+          </a:lnRef>
+          <a:fillRef idx="1">
+            <a:schemeClr val="accent1"/>
+          </a:fillRef>
+          <a:effectRef idx="0">
+            <a:schemeClr val="accent1"/>
+          </a:effectRef>
+          <a:fontRef idx="minor">
+            <a:schemeClr val="lt1"/>
+          </a:fontRef>
+        </p:style>
+        <p:txBody>
+          <a:bodyPr rtlCol="0" anchor="ctr"/>
+          <a:lstStyle/>
+          <a:p>
+            <a:pPr algn="ctr"/>
+            <a:endParaRPr lang="ko-KR" altLang="en-US" dirty="0"/>
+          </a:p>
+        </p:txBody>
+      </p:sp>
+      <p:pic>
+        <p:nvPicPr>
+          <p:cNvPr id="5" name="그림 4" descr="텍스트이(가) 표시된 사진&#10;&#10;자동 생성된 설명">
+            <a:extLst>
+              <a:ext uri="{FF2B5EF4-FFF2-40B4-BE49-F238E27FC236}">
+                <a16:creationId xmlns:a16="http://schemas.microsoft.com/office/drawing/2014/main" id="{A7E3E894-3110-4890-9FC7-ABD57344C3BC}"/>
+              </a:ext>
+            </a:extLst>
+          </p:cNvPr>
+          <p:cNvPicPr>
+            <a:picLocks noChangeAspect="1"/>
+          </p:cNvPicPr>
+          <p:nvPr/>
+        </p:nvPicPr>
+        <p:blipFill>
+          <a:blip r:embed="rId4">
+            <a:extLst>
+              <a:ext uri="{28A0092B-C50C-407E-A947-70E740481C1C}">
+                <a14:useLocalDpi xmlns:a14="http://schemas.microsoft.com/office/drawing/2010/main" val="0"/>
+              </a:ext>
+            </a:extLst>
+          </a:blip>
+          <a:stretch>
+            <a:fillRect/>
+          </a:stretch>
+        </p:blipFill>
+        <p:spPr>
+          <a:xfrm>
+            <a:off x="178213" y="2158083"/>
+            <a:ext cx="6354062" cy="4486901"/>
+          </a:xfrm>
+          <a:prstGeom prst="rect">
+            <a:avLst/>
+          </a:prstGeom>
+        </p:spPr>
+      </p:pic>
+      <p:sp>
+        <p:nvSpPr>
+          <p:cNvPr id="10" name="사각형: 둥근 모서리 9">
+            <a:extLst>
+              <a:ext uri="{FF2B5EF4-FFF2-40B4-BE49-F238E27FC236}">
+                <a16:creationId xmlns:a16="http://schemas.microsoft.com/office/drawing/2014/main" id="{1704BDFA-0A5F-46F2-A275-79EAAB42D492}"/>
+              </a:ext>
+            </a:extLst>
+          </p:cNvPr>
+          <p:cNvSpPr/>
+          <p:nvPr/>
+        </p:nvSpPr>
+        <p:spPr>
+          <a:xfrm>
+            <a:off x="3872820" y="5085127"/>
+            <a:ext cx="1177352" cy="279224"/>
+          </a:xfrm>
+          <a:prstGeom prst="roundRect">
+            <a:avLst/>
+          </a:prstGeom>
+          <a:noFill/>
+          <a:ln w="28575">
+            <a:solidFill>
+              <a:srgbClr val="FF0000"/>
+            </a:solidFill>
+          </a:ln>
+        </p:spPr>
+        <p:style>
+          <a:lnRef idx="2">
+            <a:schemeClr val="accent1">
+              <a:shade val="50000"/>
+            </a:schemeClr>
+          </a:lnRef>
+          <a:fillRef idx="1">
+            <a:schemeClr val="accent1"/>
+          </a:fillRef>
+          <a:effectRef idx="0">
+            <a:schemeClr val="accent1"/>
+          </a:effectRef>
+          <a:fontRef idx="minor">
+            <a:schemeClr val="lt1"/>
+          </a:fontRef>
+        </p:style>
+        <p:txBody>
+          <a:bodyPr rtlCol="0" anchor="ctr"/>
+          <a:lstStyle/>
+          <a:p>
+            <a:pPr algn="ctr"/>
+            <a:endParaRPr lang="ko-KR" altLang="en-US" dirty="0"/>
+          </a:p>
+        </p:txBody>
+      </p:sp>
+      <p:pic>
+        <p:nvPicPr>
+          <p:cNvPr id="8" name="그림 7" descr="텍스트이(가) 표시된 사진&#10;&#10;자동 생성된 설명">
+            <a:extLst>
+              <a:ext uri="{FF2B5EF4-FFF2-40B4-BE49-F238E27FC236}">
+                <a16:creationId xmlns:a16="http://schemas.microsoft.com/office/drawing/2014/main" id="{163FFEB5-CC9B-401F-A930-F4AC4266CD2B}"/>
+              </a:ext>
+            </a:extLst>
+          </p:cNvPr>
+          <p:cNvPicPr>
+            <a:picLocks noChangeAspect="1"/>
+          </p:cNvPicPr>
+          <p:nvPr/>
+        </p:nvPicPr>
+        <p:blipFill>
+          <a:blip r:embed="rId5">
+            <a:extLst>
+              <a:ext uri="{28A0092B-C50C-407E-A947-70E740481C1C}">
+                <a14:useLocalDpi xmlns:a14="http://schemas.microsoft.com/office/drawing/2010/main" val="0"/>
+              </a:ext>
+            </a:extLst>
+          </a:blip>
+          <a:stretch>
+            <a:fillRect/>
+          </a:stretch>
+        </p:blipFill>
+        <p:spPr>
+          <a:xfrm>
+            <a:off x="326211" y="229114"/>
+            <a:ext cx="4305901" cy="1486107"/>
+          </a:xfrm>
+          <a:prstGeom prst="rect">
+            <a:avLst/>
+          </a:prstGeom>
+        </p:spPr>
+      </p:pic>
+      <p:sp>
+        <p:nvSpPr>
+          <p:cNvPr id="11" name="사각형: 둥근 모서리 10">
+            <a:extLst>
+              <a:ext uri="{FF2B5EF4-FFF2-40B4-BE49-F238E27FC236}">
+                <a16:creationId xmlns:a16="http://schemas.microsoft.com/office/drawing/2014/main" id="{36606F32-9E20-40D2-9521-82E5C5F066A5}"/>
+              </a:ext>
+            </a:extLst>
+          </p:cNvPr>
+          <p:cNvSpPr/>
+          <p:nvPr/>
+        </p:nvSpPr>
+        <p:spPr>
+          <a:xfrm>
+            <a:off x="327942" y="231601"/>
+            <a:ext cx="2046141" cy="194431"/>
+          </a:xfrm>
+          <a:prstGeom prst="roundRect">
+            <a:avLst/>
+          </a:prstGeom>
+          <a:noFill/>
+          <a:ln w="28575">
+            <a:solidFill>
+              <a:srgbClr val="FF0000"/>
+            </a:solidFill>
+          </a:ln>
+        </p:spPr>
+        <p:style>
+          <a:lnRef idx="2">
+            <a:schemeClr val="accent1">
+              <a:shade val="50000"/>
+            </a:schemeClr>
+          </a:lnRef>
+          <a:fillRef idx="1">
+            <a:schemeClr val="accent1"/>
+          </a:fillRef>
+          <a:effectRef idx="0">
+            <a:schemeClr val="accent1"/>
+          </a:effectRef>
+          <a:fontRef idx="minor">
+            <a:schemeClr val="lt1"/>
+          </a:fontRef>
+        </p:style>
+        <p:txBody>
+          <a:bodyPr rtlCol="0" anchor="ctr"/>
+          <a:lstStyle/>
+          <a:p>
+            <a:pPr algn="ctr"/>
+            <a:endParaRPr lang="ko-KR" altLang="en-US" dirty="0"/>
+          </a:p>
+        </p:txBody>
+      </p:sp>
+      <p:sp>
+        <p:nvSpPr>
+          <p:cNvPr id="12" name="사각형: 둥근 모서리 11">
+            <a:extLst>
+              <a:ext uri="{FF2B5EF4-FFF2-40B4-BE49-F238E27FC236}">
+                <a16:creationId xmlns:a16="http://schemas.microsoft.com/office/drawing/2014/main" id="{EF8CECAB-F883-4661-9457-FA1BE48CA78F}"/>
+              </a:ext>
+            </a:extLst>
+          </p:cNvPr>
+          <p:cNvSpPr/>
+          <p:nvPr/>
+        </p:nvSpPr>
+        <p:spPr>
+          <a:xfrm>
+            <a:off x="1213090" y="1300876"/>
+            <a:ext cx="1614000" cy="183976"/>
+          </a:xfrm>
+          <a:prstGeom prst="roundRect">
+            <a:avLst/>
+          </a:prstGeom>
+          <a:noFill/>
+          <a:ln w="28575">
+            <a:solidFill>
+              <a:srgbClr val="FF0000"/>
+            </a:solidFill>
+          </a:ln>
+        </p:spPr>
+        <p:style>
+          <a:lnRef idx="2">
+            <a:schemeClr val="accent1">
+              <a:shade val="50000"/>
+            </a:schemeClr>
+          </a:lnRef>
+          <a:fillRef idx="1">
+            <a:schemeClr val="accent1"/>
+          </a:fillRef>
+          <a:effectRef idx="0">
+            <a:schemeClr val="accent1"/>
+          </a:effectRef>
+          <a:fontRef idx="minor">
+            <a:schemeClr val="lt1"/>
+          </a:fontRef>
+        </p:style>
+        <p:txBody>
+          <a:bodyPr rtlCol="0" anchor="ctr"/>
+          <a:lstStyle/>
+          <a:p>
+            <a:pPr algn="ctr"/>
+            <a:endParaRPr lang="ko-KR" altLang="en-US" dirty="0"/>
+          </a:p>
+        </p:txBody>
+      </p:sp>
+      <p:pic>
+        <p:nvPicPr>
+          <p:cNvPr id="4" name="그림 3" descr="텍스트이(가) 표시된 사진&#10;&#10;자동 생성된 설명">
+            <a:extLst>
+              <a:ext uri="{FF2B5EF4-FFF2-40B4-BE49-F238E27FC236}">
+                <a16:creationId xmlns:a16="http://schemas.microsoft.com/office/drawing/2014/main" id="{C6948F84-E7B1-456E-8BAE-ED11CAFB225B}"/>
+              </a:ext>
+            </a:extLst>
+          </p:cNvPr>
+          <p:cNvPicPr>
+            <a:picLocks noChangeAspect="1"/>
+          </p:cNvPicPr>
+          <p:nvPr/>
+        </p:nvPicPr>
+        <p:blipFill>
+          <a:blip r:embed="rId6">
+            <a:extLst>
+              <a:ext uri="{28A0092B-C50C-407E-A947-70E740481C1C}">
+                <a14:useLocalDpi xmlns:a14="http://schemas.microsoft.com/office/drawing/2010/main" val="0"/>
+              </a:ext>
+            </a:extLst>
+          </a:blip>
+          <a:stretch>
+            <a:fillRect/>
+          </a:stretch>
+        </p:blipFill>
+        <p:spPr>
+          <a:xfrm>
+            <a:off x="710096" y="1202013"/>
             <a:ext cx="4267796" cy="5229955"/>
           </a:xfrm>
           <a:prstGeom prst="rect">
@@ -4510,6 +6072,58 @@
           </a:prstGeom>
         </p:spPr>
       </p:pic>
+      <p:sp>
+        <p:nvSpPr>
+          <p:cNvPr id="13" name="사각형: 둥근 모서리 12">
+            <a:extLst>
+              <a:ext uri="{FF2B5EF4-FFF2-40B4-BE49-F238E27FC236}">
+                <a16:creationId xmlns:a16="http://schemas.microsoft.com/office/drawing/2014/main" id="{1CC285EE-B21C-43DE-B9E5-928E7D5D8CFA}"/>
+              </a:ext>
+            </a:extLst>
+          </p:cNvPr>
+          <p:cNvSpPr/>
+          <p:nvPr/>
+        </p:nvSpPr>
+        <p:spPr>
+          <a:xfrm>
+            <a:off x="1722864" y="3998999"/>
+            <a:ext cx="2077676" cy="1244120"/>
+          </a:xfrm>
+          <a:prstGeom prst="roundRect">
+            <a:avLst/>
+          </a:prstGeom>
+          <a:noFill/>
+          <a:ln w="28575">
+            <a:solidFill>
+              <a:srgbClr val="FF0000"/>
+            </a:solidFill>
+          </a:ln>
+        </p:spPr>
+        <p:style>
+          <a:lnRef idx="2">
+            <a:schemeClr val="accent1">
+              <a:shade val="50000"/>
+            </a:schemeClr>
+          </a:lnRef>
+          <a:fillRef idx="1">
+            <a:schemeClr val="accent1"/>
+          </a:fillRef>
+          <a:effectRef idx="0">
+            <a:schemeClr val="accent1"/>
+          </a:effectRef>
+          <a:fontRef idx="minor">
+            <a:schemeClr val="lt1"/>
+          </a:fontRef>
+        </p:style>
+        <p:txBody>
+          <a:bodyPr rtlCol="0" anchor="ctr"/>
+          <a:lstStyle/>
+          <a:p>
+            <a:pPr algn="ctr"/>
+            <a:endParaRPr lang="ko-KR" altLang="en-US" dirty="0"/>
+          </a:p>
+        </p:txBody>
+      </p:sp>
       <p:pic>
         <p:nvPicPr>
           <p:cNvPr id="6" name="그림 5" descr="텍스트이(가) 표시된 사진&#10;&#10;자동 생성된 설명">
@@ -4525,7 +6139,7 @@
           <p:nvPr/>
         </p:nvPicPr>
         <p:blipFill>
-          <a:blip r:embed="rId4">
+          <a:blip r:embed="rId7">
             <a:extLst>
               <a:ext uri="{28A0092B-C50C-407E-A947-70E740481C1C}">
                 <a14:useLocalDpi xmlns:a14="http://schemas.microsoft.com/office/drawing/2010/main" val="0"/>
@@ -4538,44 +6152,8 @@
         </p:blipFill>
         <p:spPr>
           <a:xfrm>
-            <a:off x="4685253" y="980733"/>
+            <a:off x="4039301" y="980733"/>
             <a:ext cx="7468642" cy="4896533"/>
-          </a:xfrm>
-          <a:prstGeom prst="rect">
-            <a:avLst/>
-          </a:prstGeom>
-        </p:spPr>
-      </p:pic>
-      <p:pic>
-        <p:nvPicPr>
-          <p:cNvPr id="8" name="그림 7" descr="텍스트이(가) 표시된 사진&#10;&#10;자동 생성된 설명">
-            <a:extLst>
-              <a:ext uri="{FF2B5EF4-FFF2-40B4-BE49-F238E27FC236}">
-                <a16:creationId xmlns:a16="http://schemas.microsoft.com/office/drawing/2014/main" id="{163FFEB5-CC9B-401F-A930-F4AC4266CD2B}"/>
-              </a:ext>
-            </a:extLst>
-          </p:cNvPr>
-          <p:cNvPicPr>
-            <a:picLocks noChangeAspect="1"/>
-          </p:cNvPicPr>
-          <p:nvPr/>
-        </p:nvPicPr>
-        <p:blipFill>
-          <a:blip r:embed="rId5">
-            <a:extLst>
-              <a:ext uri="{28A0092B-C50C-407E-A947-70E740481C1C}">
-                <a14:useLocalDpi xmlns:a14="http://schemas.microsoft.com/office/drawing/2010/main" val="0"/>
-              </a:ext>
-            </a:extLst>
-          </a:blip>
-          <a:stretch>
-            <a:fillRect/>
-          </a:stretch>
-        </p:blipFill>
-        <p:spPr>
-          <a:xfrm>
-            <a:off x="0" y="-1"/>
-            <a:ext cx="4305901" cy="1486107"/>
           </a:xfrm>
           <a:prstGeom prst="rect">
             <a:avLst/>
@@ -4592,138 +6170,493 @@
   <p:clrMapOvr>
     <a:masterClrMapping/>
   </p:clrMapOvr>
-</p:sld>
-</file>
-
-<file path=ppt/slides/slide8.xml><?xml version="1.0" encoding="utf-8"?>
-<p:sld xmlns:a="http://schemas.openxmlformats.org/drawingml/2006/main" xmlns:r="http://schemas.openxmlformats.org/officeDocument/2006/relationships" xmlns:p="http://schemas.openxmlformats.org/presentationml/2006/main">
-  <p:cSld>
-    <p:spTree>
-      <p:nvGrpSpPr>
-        <p:cNvPr id="1" name=""/>
-        <p:cNvGrpSpPr/>
-        <p:nvPr/>
-      </p:nvGrpSpPr>
-      <p:grpSpPr>
-        <a:xfrm>
-          <a:off x="0" y="0"/>
-          <a:ext cx="0" cy="0"/>
-          <a:chOff x="0" y="0"/>
-          <a:chExt cx="0" cy="0"/>
-        </a:xfrm>
-      </p:grpSpPr>
-      <p:pic>
-        <p:nvPicPr>
-          <p:cNvPr id="3" name="그림 2">
-            <a:extLst>
-              <a:ext uri="{FF2B5EF4-FFF2-40B4-BE49-F238E27FC236}">
-                <a16:creationId xmlns:a16="http://schemas.microsoft.com/office/drawing/2014/main" id="{9E6C4861-12CF-4A3E-9B7B-380C04B83D6B}"/>
-              </a:ext>
-            </a:extLst>
-          </p:cNvPr>
-          <p:cNvPicPr>
-            <a:picLocks noChangeAspect="1"/>
-          </p:cNvPicPr>
-          <p:nvPr/>
-        </p:nvPicPr>
-        <p:blipFill>
-          <a:blip r:embed="rId2">
-            <a:extLst>
-              <a:ext uri="{28A0092B-C50C-407E-A947-70E740481C1C}">
-                <a14:useLocalDpi xmlns:a14="http://schemas.microsoft.com/office/drawing/2010/main" val="0"/>
-              </a:ext>
-            </a:extLst>
-          </a:blip>
-          <a:stretch>
-            <a:fillRect/>
-          </a:stretch>
-        </p:blipFill>
-        <p:spPr>
-          <a:xfrm>
-            <a:off x="0" y="0"/>
-            <a:ext cx="12192000" cy="6858000"/>
-          </a:xfrm>
-          <a:prstGeom prst="rect">
-            <a:avLst/>
-          </a:prstGeom>
-        </p:spPr>
-      </p:pic>
-    </p:spTree>
-    <p:extLst>
-      <p:ext uri="{BB962C8B-B14F-4D97-AF65-F5344CB8AC3E}">
-        <p14:creationId xmlns:p14="http://schemas.microsoft.com/office/powerpoint/2010/main" val="1911496944"/>
-      </p:ext>
-    </p:extLst>
-  </p:cSld>
-  <p:clrMapOvr>
-    <a:masterClrMapping/>
-  </p:clrMapOvr>
-</p:sld>
-</file>
-
-<file path=ppt/slides/slide9.xml><?xml version="1.0" encoding="utf-8"?>
-<p:sld xmlns:a="http://schemas.openxmlformats.org/drawingml/2006/main" xmlns:r="http://schemas.openxmlformats.org/officeDocument/2006/relationships" xmlns:p="http://schemas.openxmlformats.org/presentationml/2006/main">
-  <p:cSld>
-    <p:spTree>
-      <p:nvGrpSpPr>
-        <p:cNvPr id="1" name=""/>
-        <p:cNvGrpSpPr/>
-        <p:nvPr/>
-      </p:nvGrpSpPr>
-      <p:grpSpPr>
-        <a:xfrm>
-          <a:off x="0" y="0"/>
-          <a:ext cx="0" cy="0"/>
-          <a:chOff x="0" y="0"/>
-          <a:chExt cx="0" cy="0"/>
-        </a:xfrm>
-      </p:grpSpPr>
-      <p:pic>
-        <p:nvPicPr>
-          <p:cNvPr id="3" name="그림 2">
-            <a:extLst>
-              <a:ext uri="{FF2B5EF4-FFF2-40B4-BE49-F238E27FC236}">
-                <a16:creationId xmlns:a16="http://schemas.microsoft.com/office/drawing/2014/main" id="{9E6C4861-12CF-4A3E-9B7B-380C04B83D6B}"/>
-              </a:ext>
-            </a:extLst>
-          </p:cNvPr>
-          <p:cNvPicPr>
-            <a:picLocks noChangeAspect="1"/>
-          </p:cNvPicPr>
-          <p:nvPr/>
-        </p:nvPicPr>
-        <p:blipFill>
-          <a:blip r:embed="rId2">
-            <a:extLst>
-              <a:ext uri="{28A0092B-C50C-407E-A947-70E740481C1C}">
-                <a14:useLocalDpi xmlns:a14="http://schemas.microsoft.com/office/drawing/2010/main" val="0"/>
-              </a:ext>
-            </a:extLst>
-          </a:blip>
-          <a:stretch>
-            <a:fillRect/>
-          </a:stretch>
-        </p:blipFill>
-        <p:spPr>
-          <a:xfrm>
-            <a:off x="0" y="0"/>
-            <a:ext cx="12192000" cy="6858000"/>
-          </a:xfrm>
-          <a:prstGeom prst="rect">
-            <a:avLst/>
-          </a:prstGeom>
-        </p:spPr>
-      </p:pic>
-    </p:spTree>
-    <p:extLst>
-      <p:ext uri="{BB962C8B-B14F-4D97-AF65-F5344CB8AC3E}">
-        <p14:creationId xmlns:p14="http://schemas.microsoft.com/office/powerpoint/2010/main" val="3482507494"/>
-      </p:ext>
-    </p:extLst>
-  </p:cSld>
-  <p:clrMapOvr>
-    <a:masterClrMapping/>
-  </p:clrMapOvr>
+  <p:timing>
+    <p:tnLst>
+      <p:par>
+        <p:cTn id="1" dur="indefinite" restart="never" nodeType="tmRoot">
+          <p:childTnLst>
+            <p:seq concurrent="1" nextAc="seek">
+              <p:cTn id="2" dur="indefinite" nodeType="mainSeq">
+                <p:childTnLst>
+                  <p:par>
+                    <p:cTn id="3" fill="hold">
+                      <p:stCondLst>
+                        <p:cond delay="indefinite"/>
+                      </p:stCondLst>
+                      <p:childTnLst>
+                        <p:par>
+                          <p:cTn id="4" fill="hold">
+                            <p:stCondLst>
+                              <p:cond delay="0"/>
+                            </p:stCondLst>
+                            <p:childTnLst>
+                              <p:par>
+                                <p:cTn id="5" presetID="1" presetClass="entr" presetSubtype="0" fill="hold" nodeType="clickEffect">
+                                  <p:stCondLst>
+                                    <p:cond delay="0"/>
+                                  </p:stCondLst>
+                                  <p:childTnLst>
+                                    <p:set>
+                                      <p:cBhvr>
+                                        <p:cTn id="6" dur="1" fill="hold">
+                                          <p:stCondLst>
+                                            <p:cond delay="0"/>
+                                          </p:stCondLst>
+                                        </p:cTn>
+                                        <p:tgtEl>
+                                          <p:spTgt spid="7"/>
+                                        </p:tgtEl>
+                                        <p:attrNameLst>
+                                          <p:attrName>style.visibility</p:attrName>
+                                        </p:attrNameLst>
+                                      </p:cBhvr>
+                                      <p:to>
+                                        <p:strVal val="visible"/>
+                                      </p:to>
+                                    </p:set>
+                                  </p:childTnLst>
+                                </p:cTn>
+                              </p:par>
+                            </p:childTnLst>
+                          </p:cTn>
+                        </p:par>
+                      </p:childTnLst>
+                    </p:cTn>
+                  </p:par>
+                  <p:par>
+                    <p:cTn id="7" fill="hold">
+                      <p:stCondLst>
+                        <p:cond delay="indefinite"/>
+                      </p:stCondLst>
+                      <p:childTnLst>
+                        <p:par>
+                          <p:cTn id="8" fill="hold">
+                            <p:stCondLst>
+                              <p:cond delay="0"/>
+                            </p:stCondLst>
+                            <p:childTnLst>
+                              <p:par>
+                                <p:cTn id="9" presetID="1" presetClass="entr" presetSubtype="0" fill="hold" grpId="0" nodeType="clickEffect">
+                                  <p:stCondLst>
+                                    <p:cond delay="0"/>
+                                  </p:stCondLst>
+                                  <p:childTnLst>
+                                    <p:set>
+                                      <p:cBhvr>
+                                        <p:cTn id="10" dur="1" fill="hold">
+                                          <p:stCondLst>
+                                            <p:cond delay="0"/>
+                                          </p:stCondLst>
+                                        </p:cTn>
+                                        <p:tgtEl>
+                                          <p:spTgt spid="9"/>
+                                        </p:tgtEl>
+                                        <p:attrNameLst>
+                                          <p:attrName>style.visibility</p:attrName>
+                                        </p:attrNameLst>
+                                      </p:cBhvr>
+                                      <p:to>
+                                        <p:strVal val="visible"/>
+                                      </p:to>
+                                    </p:set>
+                                  </p:childTnLst>
+                                </p:cTn>
+                              </p:par>
+                            </p:childTnLst>
+                          </p:cTn>
+                        </p:par>
+                      </p:childTnLst>
+                    </p:cTn>
+                  </p:par>
+                  <p:par>
+                    <p:cTn id="11" fill="hold">
+                      <p:stCondLst>
+                        <p:cond delay="indefinite"/>
+                      </p:stCondLst>
+                      <p:childTnLst>
+                        <p:par>
+                          <p:cTn id="12" fill="hold">
+                            <p:stCondLst>
+                              <p:cond delay="0"/>
+                            </p:stCondLst>
+                            <p:childTnLst>
+                              <p:par>
+                                <p:cTn id="13" presetID="1" presetClass="entr" presetSubtype="0" fill="hold" nodeType="clickEffect">
+                                  <p:stCondLst>
+                                    <p:cond delay="0"/>
+                                  </p:stCondLst>
+                                  <p:childTnLst>
+                                    <p:set>
+                                      <p:cBhvr>
+                                        <p:cTn id="14" dur="1" fill="hold">
+                                          <p:stCondLst>
+                                            <p:cond delay="0"/>
+                                          </p:stCondLst>
+                                        </p:cTn>
+                                        <p:tgtEl>
+                                          <p:spTgt spid="5"/>
+                                        </p:tgtEl>
+                                        <p:attrNameLst>
+                                          <p:attrName>style.visibility</p:attrName>
+                                        </p:attrNameLst>
+                                      </p:cBhvr>
+                                      <p:to>
+                                        <p:strVal val="visible"/>
+                                      </p:to>
+                                    </p:set>
+                                  </p:childTnLst>
+                                </p:cTn>
+                              </p:par>
+                            </p:childTnLst>
+                          </p:cTn>
+                        </p:par>
+                      </p:childTnLst>
+                    </p:cTn>
+                  </p:par>
+                  <p:par>
+                    <p:cTn id="15" fill="hold">
+                      <p:stCondLst>
+                        <p:cond delay="indefinite"/>
+                      </p:stCondLst>
+                      <p:childTnLst>
+                        <p:par>
+                          <p:cTn id="16" fill="hold">
+                            <p:stCondLst>
+                              <p:cond delay="0"/>
+                            </p:stCondLst>
+                            <p:childTnLst>
+                              <p:par>
+                                <p:cTn id="17" presetID="1" presetClass="entr" presetSubtype="0" fill="hold" grpId="0" nodeType="clickEffect">
+                                  <p:stCondLst>
+                                    <p:cond delay="0"/>
+                                  </p:stCondLst>
+                                  <p:childTnLst>
+                                    <p:set>
+                                      <p:cBhvr>
+                                        <p:cTn id="18" dur="1" fill="hold">
+                                          <p:stCondLst>
+                                            <p:cond delay="0"/>
+                                          </p:stCondLst>
+                                        </p:cTn>
+                                        <p:tgtEl>
+                                          <p:spTgt spid="10"/>
+                                        </p:tgtEl>
+                                        <p:attrNameLst>
+                                          <p:attrName>style.visibility</p:attrName>
+                                        </p:attrNameLst>
+                                      </p:cBhvr>
+                                      <p:to>
+                                        <p:strVal val="visible"/>
+                                      </p:to>
+                                    </p:set>
+                                  </p:childTnLst>
+                                </p:cTn>
+                              </p:par>
+                            </p:childTnLst>
+                          </p:cTn>
+                        </p:par>
+                      </p:childTnLst>
+                    </p:cTn>
+                  </p:par>
+                  <p:par>
+                    <p:cTn id="19" fill="hold">
+                      <p:stCondLst>
+                        <p:cond delay="indefinite"/>
+                      </p:stCondLst>
+                      <p:childTnLst>
+                        <p:par>
+                          <p:cTn id="20" fill="hold">
+                            <p:stCondLst>
+                              <p:cond delay="0"/>
+                            </p:stCondLst>
+                            <p:childTnLst>
+                              <p:par>
+                                <p:cTn id="21" presetID="1" presetClass="entr" presetSubtype="0" fill="hold" nodeType="clickEffect">
+                                  <p:stCondLst>
+                                    <p:cond delay="0"/>
+                                  </p:stCondLst>
+                                  <p:childTnLst>
+                                    <p:set>
+                                      <p:cBhvr>
+                                        <p:cTn id="22" dur="1" fill="hold">
+                                          <p:stCondLst>
+                                            <p:cond delay="0"/>
+                                          </p:stCondLst>
+                                        </p:cTn>
+                                        <p:tgtEl>
+                                          <p:spTgt spid="8"/>
+                                        </p:tgtEl>
+                                        <p:attrNameLst>
+                                          <p:attrName>style.visibility</p:attrName>
+                                        </p:attrNameLst>
+                                      </p:cBhvr>
+                                      <p:to>
+                                        <p:strVal val="visible"/>
+                                      </p:to>
+                                    </p:set>
+                                  </p:childTnLst>
+                                </p:cTn>
+                              </p:par>
+                            </p:childTnLst>
+                          </p:cTn>
+                        </p:par>
+                      </p:childTnLst>
+                    </p:cTn>
+                  </p:par>
+                  <p:par>
+                    <p:cTn id="23" fill="hold">
+                      <p:stCondLst>
+                        <p:cond delay="indefinite"/>
+                      </p:stCondLst>
+                      <p:childTnLst>
+                        <p:par>
+                          <p:cTn id="24" fill="hold">
+                            <p:stCondLst>
+                              <p:cond delay="0"/>
+                            </p:stCondLst>
+                            <p:childTnLst>
+                              <p:par>
+                                <p:cTn id="25" presetID="1" presetClass="entr" presetSubtype="0" fill="hold" grpId="0" nodeType="clickEffect">
+                                  <p:stCondLst>
+                                    <p:cond delay="0"/>
+                                  </p:stCondLst>
+                                  <p:childTnLst>
+                                    <p:set>
+                                      <p:cBhvr>
+                                        <p:cTn id="26" dur="1" fill="hold">
+                                          <p:stCondLst>
+                                            <p:cond delay="0"/>
+                                          </p:stCondLst>
+                                        </p:cTn>
+                                        <p:tgtEl>
+                                          <p:spTgt spid="11"/>
+                                        </p:tgtEl>
+                                        <p:attrNameLst>
+                                          <p:attrName>style.visibility</p:attrName>
+                                        </p:attrNameLst>
+                                      </p:cBhvr>
+                                      <p:to>
+                                        <p:strVal val="visible"/>
+                                      </p:to>
+                                    </p:set>
+                                  </p:childTnLst>
+                                </p:cTn>
+                              </p:par>
+                            </p:childTnLst>
+                          </p:cTn>
+                        </p:par>
+                      </p:childTnLst>
+                    </p:cTn>
+                  </p:par>
+                  <p:par>
+                    <p:cTn id="27" fill="hold">
+                      <p:stCondLst>
+                        <p:cond delay="indefinite"/>
+                      </p:stCondLst>
+                      <p:childTnLst>
+                        <p:par>
+                          <p:cTn id="28" fill="hold">
+                            <p:stCondLst>
+                              <p:cond delay="0"/>
+                            </p:stCondLst>
+                            <p:childTnLst>
+                              <p:par>
+                                <p:cTn id="29" presetID="1" presetClass="entr" presetSubtype="0" fill="hold" grpId="0" nodeType="clickEffect">
+                                  <p:stCondLst>
+                                    <p:cond delay="0"/>
+                                  </p:stCondLst>
+                                  <p:childTnLst>
+                                    <p:set>
+                                      <p:cBhvr>
+                                        <p:cTn id="30" dur="1" fill="hold">
+                                          <p:stCondLst>
+                                            <p:cond delay="0"/>
+                                          </p:stCondLst>
+                                        </p:cTn>
+                                        <p:tgtEl>
+                                          <p:spTgt spid="12"/>
+                                        </p:tgtEl>
+                                        <p:attrNameLst>
+                                          <p:attrName>style.visibility</p:attrName>
+                                        </p:attrNameLst>
+                                      </p:cBhvr>
+                                      <p:to>
+                                        <p:strVal val="visible"/>
+                                      </p:to>
+                                    </p:set>
+                                  </p:childTnLst>
+                                </p:cTn>
+                              </p:par>
+                            </p:childTnLst>
+                          </p:cTn>
+                        </p:par>
+                      </p:childTnLst>
+                    </p:cTn>
+                  </p:par>
+                  <p:par>
+                    <p:cTn id="31" fill="hold">
+                      <p:stCondLst>
+                        <p:cond delay="indefinite"/>
+                      </p:stCondLst>
+                      <p:childTnLst>
+                        <p:par>
+                          <p:cTn id="32" fill="hold">
+                            <p:stCondLst>
+                              <p:cond delay="0"/>
+                            </p:stCondLst>
+                            <p:childTnLst>
+                              <p:par>
+                                <p:cTn id="33" presetID="1" presetClass="entr" presetSubtype="0" fill="hold" nodeType="clickEffect">
+                                  <p:stCondLst>
+                                    <p:cond delay="0"/>
+                                  </p:stCondLst>
+                                  <p:childTnLst>
+                                    <p:set>
+                                      <p:cBhvr>
+                                        <p:cTn id="34" dur="1" fill="hold">
+                                          <p:stCondLst>
+                                            <p:cond delay="0"/>
+                                          </p:stCondLst>
+                                        </p:cTn>
+                                        <p:tgtEl>
+                                          <p:spTgt spid="4"/>
+                                        </p:tgtEl>
+                                        <p:attrNameLst>
+                                          <p:attrName>style.visibility</p:attrName>
+                                        </p:attrNameLst>
+                                      </p:cBhvr>
+                                      <p:to>
+                                        <p:strVal val="visible"/>
+                                      </p:to>
+                                    </p:set>
+                                  </p:childTnLst>
+                                </p:cTn>
+                              </p:par>
+                            </p:childTnLst>
+                          </p:cTn>
+                        </p:par>
+                      </p:childTnLst>
+                    </p:cTn>
+                  </p:par>
+                  <p:par>
+                    <p:cTn id="35" fill="hold">
+                      <p:stCondLst>
+                        <p:cond delay="indefinite"/>
+                      </p:stCondLst>
+                      <p:childTnLst>
+                        <p:par>
+                          <p:cTn id="36" fill="hold">
+                            <p:stCondLst>
+                              <p:cond delay="0"/>
+                            </p:stCondLst>
+                            <p:childTnLst>
+                              <p:par>
+                                <p:cTn id="37" presetID="1" presetClass="entr" presetSubtype="0" fill="hold" grpId="0" nodeType="clickEffect">
+                                  <p:stCondLst>
+                                    <p:cond delay="0"/>
+                                  </p:stCondLst>
+                                  <p:childTnLst>
+                                    <p:set>
+                                      <p:cBhvr>
+                                        <p:cTn id="38" dur="1" fill="hold">
+                                          <p:stCondLst>
+                                            <p:cond delay="0"/>
+                                          </p:stCondLst>
+                                        </p:cTn>
+                                        <p:tgtEl>
+                                          <p:spTgt spid="13"/>
+                                        </p:tgtEl>
+                                        <p:attrNameLst>
+                                          <p:attrName>style.visibility</p:attrName>
+                                        </p:attrNameLst>
+                                      </p:cBhvr>
+                                      <p:to>
+                                        <p:strVal val="visible"/>
+                                      </p:to>
+                                    </p:set>
+                                  </p:childTnLst>
+                                </p:cTn>
+                              </p:par>
+                            </p:childTnLst>
+                          </p:cTn>
+                        </p:par>
+                      </p:childTnLst>
+                    </p:cTn>
+                  </p:par>
+                  <p:par>
+                    <p:cTn id="39" fill="hold">
+                      <p:stCondLst>
+                        <p:cond delay="indefinite"/>
+                      </p:stCondLst>
+                      <p:childTnLst>
+                        <p:par>
+                          <p:cTn id="40" fill="hold">
+                            <p:stCondLst>
+                              <p:cond delay="0"/>
+                            </p:stCondLst>
+                            <p:childTnLst>
+                              <p:par>
+                                <p:cTn id="41" presetID="1" presetClass="entr" presetSubtype="0" fill="hold" nodeType="clickEffect">
+                                  <p:stCondLst>
+                                    <p:cond delay="0"/>
+                                  </p:stCondLst>
+                                  <p:childTnLst>
+                                    <p:set>
+                                      <p:cBhvr>
+                                        <p:cTn id="42" dur="1" fill="hold">
+                                          <p:stCondLst>
+                                            <p:cond delay="0"/>
+                                          </p:stCondLst>
+                                        </p:cTn>
+                                        <p:tgtEl>
+                                          <p:spTgt spid="6"/>
+                                        </p:tgtEl>
+                                        <p:attrNameLst>
+                                          <p:attrName>style.visibility</p:attrName>
+                                        </p:attrNameLst>
+                                      </p:cBhvr>
+                                      <p:to>
+                                        <p:strVal val="visible"/>
+                                      </p:to>
+                                    </p:set>
+                                  </p:childTnLst>
+                                </p:cTn>
+                              </p:par>
+                            </p:childTnLst>
+                          </p:cTn>
+                        </p:par>
+                      </p:childTnLst>
+                    </p:cTn>
+                  </p:par>
+                </p:childTnLst>
+              </p:cTn>
+              <p:prevCondLst>
+                <p:cond evt="onPrev" delay="0">
+                  <p:tgtEl>
+                    <p:sldTgt/>
+                  </p:tgtEl>
+                </p:cond>
+              </p:prevCondLst>
+              <p:nextCondLst>
+                <p:cond evt="onNext" delay="0">
+                  <p:tgtEl>
+                    <p:sldTgt/>
+                  </p:tgtEl>
+                </p:cond>
+              </p:nextCondLst>
+            </p:seq>
+          </p:childTnLst>
+        </p:cTn>
+      </p:par>
+    </p:tnLst>
+    <p:bldLst>
+      <p:bldP spid="9" grpId="0" animBg="1"/>
+      <p:bldP spid="10" grpId="0" animBg="1"/>
+      <p:bldP spid="11" grpId="0" animBg="1"/>
+      <p:bldP spid="12" grpId="0" animBg="1"/>
+      <p:bldP spid="13" grpId="0" animBg="1"/>
+    </p:bldLst>
+  </p:timing>
 </p:sld>
 </file>
 

--- a/2021-2/3. SW프로젝트/week2/201844050_박승민.pptx
+++ b/2021-2/3. SW프로젝트/week2/201844050_박승민.pptx
@@ -265,7 +265,7 @@
           <a:p>
             <a:fld id="{A3F8F30A-218B-482A-9E52-4616EC5FB47E}" type="datetimeFigureOut">
               <a:rPr lang="ko-KR" altLang="en-US" smtClean="0"/>
-              <a:t>2021-09-14</a:t>
+              <a:t>2021-09-15</a:t>
             </a:fld>
             <a:endParaRPr lang="ko-KR" altLang="en-US"/>
           </a:p>
@@ -463,7 +463,7 @@
           <a:p>
             <a:fld id="{A3F8F30A-218B-482A-9E52-4616EC5FB47E}" type="datetimeFigureOut">
               <a:rPr lang="ko-KR" altLang="en-US" smtClean="0"/>
-              <a:t>2021-09-14</a:t>
+              <a:t>2021-09-15</a:t>
             </a:fld>
             <a:endParaRPr lang="ko-KR" altLang="en-US"/>
           </a:p>
@@ -671,7 +671,7 @@
           <a:p>
             <a:fld id="{A3F8F30A-218B-482A-9E52-4616EC5FB47E}" type="datetimeFigureOut">
               <a:rPr lang="ko-KR" altLang="en-US" smtClean="0"/>
-              <a:t>2021-09-14</a:t>
+              <a:t>2021-09-15</a:t>
             </a:fld>
             <a:endParaRPr lang="ko-KR" altLang="en-US"/>
           </a:p>
@@ -869,7 +869,7 @@
           <a:p>
             <a:fld id="{A3F8F30A-218B-482A-9E52-4616EC5FB47E}" type="datetimeFigureOut">
               <a:rPr lang="ko-KR" altLang="en-US" smtClean="0"/>
-              <a:t>2021-09-14</a:t>
+              <a:t>2021-09-15</a:t>
             </a:fld>
             <a:endParaRPr lang="ko-KR" altLang="en-US"/>
           </a:p>
@@ -1144,7 +1144,7 @@
           <a:p>
             <a:fld id="{A3F8F30A-218B-482A-9E52-4616EC5FB47E}" type="datetimeFigureOut">
               <a:rPr lang="ko-KR" altLang="en-US" smtClean="0"/>
-              <a:t>2021-09-14</a:t>
+              <a:t>2021-09-15</a:t>
             </a:fld>
             <a:endParaRPr lang="ko-KR" altLang="en-US"/>
           </a:p>
@@ -1409,7 +1409,7 @@
           <a:p>
             <a:fld id="{A3F8F30A-218B-482A-9E52-4616EC5FB47E}" type="datetimeFigureOut">
               <a:rPr lang="ko-KR" altLang="en-US" smtClean="0"/>
-              <a:t>2021-09-14</a:t>
+              <a:t>2021-09-15</a:t>
             </a:fld>
             <a:endParaRPr lang="ko-KR" altLang="en-US"/>
           </a:p>
@@ -1821,7 +1821,7 @@
           <a:p>
             <a:fld id="{A3F8F30A-218B-482A-9E52-4616EC5FB47E}" type="datetimeFigureOut">
               <a:rPr lang="ko-KR" altLang="en-US" smtClean="0"/>
-              <a:t>2021-09-14</a:t>
+              <a:t>2021-09-15</a:t>
             </a:fld>
             <a:endParaRPr lang="ko-KR" altLang="en-US"/>
           </a:p>
@@ -1962,7 +1962,7 @@
           <a:p>
             <a:fld id="{A3F8F30A-218B-482A-9E52-4616EC5FB47E}" type="datetimeFigureOut">
               <a:rPr lang="ko-KR" altLang="en-US" smtClean="0"/>
-              <a:t>2021-09-14</a:t>
+              <a:t>2021-09-15</a:t>
             </a:fld>
             <a:endParaRPr lang="ko-KR" altLang="en-US"/>
           </a:p>
@@ -2075,7 +2075,7 @@
           <a:p>
             <a:fld id="{A3F8F30A-218B-482A-9E52-4616EC5FB47E}" type="datetimeFigureOut">
               <a:rPr lang="ko-KR" altLang="en-US" smtClean="0"/>
-              <a:t>2021-09-14</a:t>
+              <a:t>2021-09-15</a:t>
             </a:fld>
             <a:endParaRPr lang="ko-KR" altLang="en-US"/>
           </a:p>
@@ -2386,7 +2386,7 @@
           <a:p>
             <a:fld id="{A3F8F30A-218B-482A-9E52-4616EC5FB47E}" type="datetimeFigureOut">
               <a:rPr lang="ko-KR" altLang="en-US" smtClean="0"/>
-              <a:t>2021-09-14</a:t>
+              <a:t>2021-09-15</a:t>
             </a:fld>
             <a:endParaRPr lang="ko-KR" altLang="en-US"/>
           </a:p>
@@ -2674,7 +2674,7 @@
           <a:p>
             <a:fld id="{A3F8F30A-218B-482A-9E52-4616EC5FB47E}" type="datetimeFigureOut">
               <a:rPr lang="ko-KR" altLang="en-US" smtClean="0"/>
-              <a:t>2021-09-14</a:t>
+              <a:t>2021-09-15</a:t>
             </a:fld>
             <a:endParaRPr lang="ko-KR" altLang="en-US"/>
           </a:p>
@@ -2915,7 +2915,7 @@
           <a:p>
             <a:fld id="{A3F8F30A-218B-482A-9E52-4616EC5FB47E}" type="datetimeFigureOut">
               <a:rPr lang="ko-KR" altLang="en-US" smtClean="0"/>
-              <a:t>2021-09-14</a:t>
+              <a:t>2021-09-15</a:t>
             </a:fld>
             <a:endParaRPr lang="ko-KR" altLang="en-US"/>
           </a:p>
@@ -5234,10 +5234,10 @@
       </p:sp>
       <p:pic>
         <p:nvPicPr>
-          <p:cNvPr id="5" name="그림 4" descr="텍스트이(가) 표시된 사진&#10;&#10;자동 생성된 설명">
-            <a:extLst>
-              <a:ext uri="{FF2B5EF4-FFF2-40B4-BE49-F238E27FC236}">
-                <a16:creationId xmlns:a16="http://schemas.microsoft.com/office/drawing/2014/main" id="{23BB1DD6-D8E3-4F01-8FFD-27821B7FB93A}"/>
+          <p:cNvPr id="12" name="그림 11" descr="텍스트이(가) 표시된 사진&#10;&#10;자동 생성된 설명">
+            <a:extLst>
+              <a:ext uri="{FF2B5EF4-FFF2-40B4-BE49-F238E27FC236}">
+                <a16:creationId xmlns:a16="http://schemas.microsoft.com/office/drawing/2014/main" id="{15CC8E22-16A9-4BD6-88B5-BF56C23D4788}"/>
               </a:ext>
             </a:extLst>
           </p:cNvPr>
@@ -5260,8 +5260,8 @@
         </p:blipFill>
         <p:spPr>
           <a:xfrm>
-            <a:off x="623331" y="2241622"/>
-            <a:ext cx="10459910" cy="1381318"/>
+            <a:off x="1235115" y="1924358"/>
+            <a:ext cx="6582694" cy="1638529"/>
           </a:xfrm>
           <a:prstGeom prst="rect">
             <a:avLst/>
@@ -5296,7 +5296,7 @@
         </p:blipFill>
         <p:spPr>
           <a:xfrm>
-            <a:off x="217189" y="385767"/>
+            <a:off x="238887" y="385767"/>
             <a:ext cx="11272193" cy="5763000"/>
           </a:xfrm>
           <a:prstGeom prst="rect">
@@ -5528,7 +5528,7 @@
                                           </p:stCondLst>
                                         </p:cTn>
                                         <p:tgtEl>
-                                          <p:spTgt spid="5"/>
+                                          <p:spTgt spid="12"/>
                                         </p:tgtEl>
                                         <p:attrNameLst>
                                           <p:attrName>style.visibility</p:attrName>
